--- a/마이리틀트립.pptx
+++ b/마이리틀트립.pptx
@@ -7,6 +7,7 @@
   <p:sldIdLst>
     <p:sldId id="256" r:id="rId2"/>
     <p:sldId id="257" r:id="rId3"/>
+    <p:sldId id="258" r:id="rId4"/>
   </p:sldIdLst>
   <p:sldSz cx="12192000" cy="6858000"/>
   <p:notesSz cx="6858000" cy="9144000"/>
@@ -260,7 +261,7 @@
           <a:p>
             <a:fld id="{9377CAC9-DC6C-471A-9C21-B3E73A9C5D44}" type="datetimeFigureOut">
               <a:rPr lang="ko-KR" altLang="en-US" smtClean="0"/>
-              <a:t>2020-03-20</a:t>
+              <a:t>2020-03-26</a:t>
             </a:fld>
             <a:endParaRPr lang="ko-KR" altLang="en-US"/>
           </a:p>
@@ -458,7 +459,7 @@
           <a:p>
             <a:fld id="{9377CAC9-DC6C-471A-9C21-B3E73A9C5D44}" type="datetimeFigureOut">
               <a:rPr lang="ko-KR" altLang="en-US" smtClean="0"/>
-              <a:t>2020-03-20</a:t>
+              <a:t>2020-03-26</a:t>
             </a:fld>
             <a:endParaRPr lang="ko-KR" altLang="en-US"/>
           </a:p>
@@ -666,7 +667,7 @@
           <a:p>
             <a:fld id="{9377CAC9-DC6C-471A-9C21-B3E73A9C5D44}" type="datetimeFigureOut">
               <a:rPr lang="ko-KR" altLang="en-US" smtClean="0"/>
-              <a:t>2020-03-20</a:t>
+              <a:t>2020-03-26</a:t>
             </a:fld>
             <a:endParaRPr lang="ko-KR" altLang="en-US"/>
           </a:p>
@@ -864,7 +865,7 @@
           <a:p>
             <a:fld id="{9377CAC9-DC6C-471A-9C21-B3E73A9C5D44}" type="datetimeFigureOut">
               <a:rPr lang="ko-KR" altLang="en-US" smtClean="0"/>
-              <a:t>2020-03-20</a:t>
+              <a:t>2020-03-26</a:t>
             </a:fld>
             <a:endParaRPr lang="ko-KR" altLang="en-US"/>
           </a:p>
@@ -1139,7 +1140,7 @@
           <a:p>
             <a:fld id="{9377CAC9-DC6C-471A-9C21-B3E73A9C5D44}" type="datetimeFigureOut">
               <a:rPr lang="ko-KR" altLang="en-US" smtClean="0"/>
-              <a:t>2020-03-20</a:t>
+              <a:t>2020-03-26</a:t>
             </a:fld>
             <a:endParaRPr lang="ko-KR" altLang="en-US"/>
           </a:p>
@@ -1404,7 +1405,7 @@
           <a:p>
             <a:fld id="{9377CAC9-DC6C-471A-9C21-B3E73A9C5D44}" type="datetimeFigureOut">
               <a:rPr lang="ko-KR" altLang="en-US" smtClean="0"/>
-              <a:t>2020-03-20</a:t>
+              <a:t>2020-03-26</a:t>
             </a:fld>
             <a:endParaRPr lang="ko-KR" altLang="en-US"/>
           </a:p>
@@ -1816,7 +1817,7 @@
           <a:p>
             <a:fld id="{9377CAC9-DC6C-471A-9C21-B3E73A9C5D44}" type="datetimeFigureOut">
               <a:rPr lang="ko-KR" altLang="en-US" smtClean="0"/>
-              <a:t>2020-03-20</a:t>
+              <a:t>2020-03-26</a:t>
             </a:fld>
             <a:endParaRPr lang="ko-KR" altLang="en-US"/>
           </a:p>
@@ -1957,7 +1958,7 @@
           <a:p>
             <a:fld id="{9377CAC9-DC6C-471A-9C21-B3E73A9C5D44}" type="datetimeFigureOut">
               <a:rPr lang="ko-KR" altLang="en-US" smtClean="0"/>
-              <a:t>2020-03-20</a:t>
+              <a:t>2020-03-26</a:t>
             </a:fld>
             <a:endParaRPr lang="ko-KR" altLang="en-US"/>
           </a:p>
@@ -2070,7 +2071,7 @@
           <a:p>
             <a:fld id="{9377CAC9-DC6C-471A-9C21-B3E73A9C5D44}" type="datetimeFigureOut">
               <a:rPr lang="ko-KR" altLang="en-US" smtClean="0"/>
-              <a:t>2020-03-20</a:t>
+              <a:t>2020-03-26</a:t>
             </a:fld>
             <a:endParaRPr lang="ko-KR" altLang="en-US"/>
           </a:p>
@@ -2381,7 +2382,7 @@
           <a:p>
             <a:fld id="{9377CAC9-DC6C-471A-9C21-B3E73A9C5D44}" type="datetimeFigureOut">
               <a:rPr lang="ko-KR" altLang="en-US" smtClean="0"/>
-              <a:t>2020-03-20</a:t>
+              <a:t>2020-03-26</a:t>
             </a:fld>
             <a:endParaRPr lang="ko-KR" altLang="en-US"/>
           </a:p>
@@ -2669,7 +2670,7 @@
           <a:p>
             <a:fld id="{9377CAC9-DC6C-471A-9C21-B3E73A9C5D44}" type="datetimeFigureOut">
               <a:rPr lang="ko-KR" altLang="en-US" smtClean="0"/>
-              <a:t>2020-03-20</a:t>
+              <a:t>2020-03-26</a:t>
             </a:fld>
             <a:endParaRPr lang="ko-KR" altLang="en-US"/>
           </a:p>
@@ -2910,7 +2911,7 @@
           <a:p>
             <a:fld id="{9377CAC9-DC6C-471A-9C21-B3E73A9C5D44}" type="datetimeFigureOut">
               <a:rPr lang="ko-KR" altLang="en-US" smtClean="0"/>
-              <a:t>2020-03-20</a:t>
+              <a:t>2020-03-26</a:t>
             </a:fld>
             <a:endParaRPr lang="ko-KR" altLang="en-US"/>
           </a:p>
@@ -4308,6 +4309,1545 @@
 </p:sld>
 </file>
 
+<file path=ppt/slides/slide3.xml><?xml version="1.0" encoding="utf-8"?>
+<p:sld xmlns:a="http://schemas.openxmlformats.org/drawingml/2006/main" xmlns:r="http://schemas.openxmlformats.org/officeDocument/2006/relationships" xmlns:p="http://schemas.openxmlformats.org/presentationml/2006/main">
+  <p:cSld>
+    <p:spTree>
+      <p:nvGrpSpPr>
+        <p:cNvPr id="1" name=""/>
+        <p:cNvGrpSpPr/>
+        <p:nvPr/>
+      </p:nvGrpSpPr>
+      <p:grpSpPr>
+        <a:xfrm>
+          <a:off x="0" y="0"/>
+          <a:ext cx="0" cy="0"/>
+          <a:chOff x="0" y="0"/>
+          <a:chExt cx="0" cy="0"/>
+        </a:xfrm>
+      </p:grpSpPr>
+      <p:sp>
+        <p:nvSpPr>
+          <p:cNvPr id="3" name="직사각형 2">
+            <a:extLst>
+              <a:ext uri="{FF2B5EF4-FFF2-40B4-BE49-F238E27FC236}">
+                <a16:creationId xmlns:a16="http://schemas.microsoft.com/office/drawing/2014/main" id="{732D4CAC-8CE7-42BC-8D76-EED4D4A82307}"/>
+              </a:ext>
+            </a:extLst>
+          </p:cNvPr>
+          <p:cNvSpPr/>
+          <p:nvPr/>
+        </p:nvSpPr>
+        <p:spPr>
+          <a:xfrm>
+            <a:off x="1156447" y="909000"/>
+            <a:ext cx="2880000" cy="5040000"/>
+          </a:xfrm>
+          <a:prstGeom prst="rect">
+            <a:avLst/>
+          </a:prstGeom>
+          <a:solidFill>
+            <a:schemeClr val="accent1"/>
+          </a:solidFill>
+        </p:spPr>
+        <p:style>
+          <a:lnRef idx="2">
+            <a:schemeClr val="accent1">
+              <a:shade val="50000"/>
+            </a:schemeClr>
+          </a:lnRef>
+          <a:fillRef idx="1">
+            <a:schemeClr val="accent1"/>
+          </a:fillRef>
+          <a:effectRef idx="0">
+            <a:schemeClr val="accent1"/>
+          </a:effectRef>
+          <a:fontRef idx="minor">
+            <a:schemeClr val="lt1"/>
+          </a:fontRef>
+        </p:style>
+        <p:txBody>
+          <a:bodyPr rtlCol="0" anchor="ctr"/>
+          <a:lstStyle/>
+          <a:p>
+            <a:pPr algn="ctr"/>
+            <a:endParaRPr lang="ko-KR" altLang="en-US"/>
+          </a:p>
+        </p:txBody>
+      </p:sp>
+      <p:sp>
+        <p:nvSpPr>
+          <p:cNvPr id="10" name="TextBox 9">
+            <a:extLst>
+              <a:ext uri="{FF2B5EF4-FFF2-40B4-BE49-F238E27FC236}">
+                <a16:creationId xmlns:a16="http://schemas.microsoft.com/office/drawing/2014/main" id="{1952E716-5BCD-4645-BB49-12F5B806A2B3}"/>
+              </a:ext>
+            </a:extLst>
+          </p:cNvPr>
+          <p:cNvSpPr txBox="1"/>
+          <p:nvPr/>
+        </p:nvSpPr>
+        <p:spPr>
+          <a:xfrm>
+            <a:off x="2367055" y="5494643"/>
+            <a:ext cx="458780" cy="369332"/>
+          </a:xfrm>
+          <a:prstGeom prst="rect">
+            <a:avLst/>
+          </a:prstGeom>
+          <a:noFill/>
+        </p:spPr>
+        <p:txBody>
+          <a:bodyPr wrap="none" rtlCol="0">
+            <a:spAutoFit/>
+          </a:bodyPr>
+          <a:lstStyle/>
+          <a:p>
+            <a:r>
+              <a:rPr lang="en-US" altLang="ko-KR" dirty="0">
+                <a:solidFill>
+                  <a:schemeClr val="bg1"/>
+                </a:solidFill>
+              </a:rPr>
+              <a:t>…..</a:t>
+            </a:r>
+            <a:endParaRPr lang="ko-KR" altLang="en-US" dirty="0">
+              <a:solidFill>
+                <a:schemeClr val="bg1"/>
+              </a:solidFill>
+            </a:endParaRPr>
+          </a:p>
+        </p:txBody>
+      </p:sp>
+      <p:grpSp>
+        <p:nvGrpSpPr>
+          <p:cNvPr id="31" name="그룹 30">
+            <a:extLst>
+              <a:ext uri="{FF2B5EF4-FFF2-40B4-BE49-F238E27FC236}">
+                <a16:creationId xmlns:a16="http://schemas.microsoft.com/office/drawing/2014/main" id="{53810980-9891-41A9-929B-6C6F2063B6A4}"/>
+              </a:ext>
+            </a:extLst>
+          </p:cNvPr>
+          <p:cNvGrpSpPr/>
+          <p:nvPr/>
+        </p:nvGrpSpPr>
+        <p:grpSpPr>
+          <a:xfrm>
+            <a:off x="1269668" y="994025"/>
+            <a:ext cx="2653553" cy="1062234"/>
+            <a:chOff x="1269668" y="994025"/>
+            <a:chExt cx="2653553" cy="1062234"/>
+          </a:xfrm>
+        </p:grpSpPr>
+        <p:sp>
+          <p:nvSpPr>
+            <p:cNvPr id="5" name="직사각형 4">
+              <a:extLst>
+                <a:ext uri="{FF2B5EF4-FFF2-40B4-BE49-F238E27FC236}">
+                  <a16:creationId xmlns:a16="http://schemas.microsoft.com/office/drawing/2014/main" id="{0DF3FE97-A75D-4681-8C29-76BC8B08C7F9}"/>
+                </a:ext>
+              </a:extLst>
+            </p:cNvPr>
+            <p:cNvSpPr/>
+            <p:nvPr/>
+          </p:nvSpPr>
+          <p:spPr>
+            <a:xfrm>
+              <a:off x="1269668" y="994025"/>
+              <a:ext cx="2653553" cy="1062234"/>
+            </a:xfrm>
+            <a:prstGeom prst="rect">
+              <a:avLst/>
+            </a:prstGeom>
+            <a:solidFill>
+              <a:schemeClr val="accent1">
+                <a:lumMod val="60000"/>
+                <a:lumOff val="40000"/>
+              </a:schemeClr>
+            </a:solidFill>
+            <a:ln>
+              <a:noFill/>
+            </a:ln>
+          </p:spPr>
+          <p:style>
+            <a:lnRef idx="2">
+              <a:schemeClr val="accent1">
+                <a:shade val="50000"/>
+              </a:schemeClr>
+            </a:lnRef>
+            <a:fillRef idx="1">
+              <a:schemeClr val="accent1"/>
+            </a:fillRef>
+            <a:effectRef idx="0">
+              <a:schemeClr val="accent1"/>
+            </a:effectRef>
+            <a:fontRef idx="minor">
+              <a:schemeClr val="lt1"/>
+            </a:fontRef>
+          </p:style>
+          <p:txBody>
+            <a:bodyPr rtlCol="0" anchor="ctr"/>
+            <a:lstStyle/>
+            <a:p>
+              <a:pPr algn="ctr"/>
+              <a:endParaRPr lang="ko-KR" altLang="en-US"/>
+            </a:p>
+          </p:txBody>
+        </p:sp>
+        <p:sp>
+          <p:nvSpPr>
+            <p:cNvPr id="11" name="직사각형 10">
+              <a:extLst>
+                <a:ext uri="{FF2B5EF4-FFF2-40B4-BE49-F238E27FC236}">
+                  <a16:creationId xmlns:a16="http://schemas.microsoft.com/office/drawing/2014/main" id="{887DF64D-98A1-4681-A359-E4350F25BF9E}"/>
+                </a:ext>
+              </a:extLst>
+            </p:cNvPr>
+            <p:cNvSpPr/>
+            <p:nvPr/>
+          </p:nvSpPr>
+          <p:spPr>
+            <a:xfrm>
+              <a:off x="1337088" y="1059807"/>
+              <a:ext cx="902221" cy="934000"/>
+            </a:xfrm>
+            <a:prstGeom prst="rect">
+              <a:avLst/>
+            </a:prstGeom>
+            <a:solidFill>
+              <a:schemeClr val="accent4">
+                <a:lumMod val="60000"/>
+                <a:lumOff val="40000"/>
+              </a:schemeClr>
+            </a:solidFill>
+            <a:ln>
+              <a:noFill/>
+            </a:ln>
+          </p:spPr>
+          <p:style>
+            <a:lnRef idx="2">
+              <a:schemeClr val="accent1">
+                <a:shade val="50000"/>
+              </a:schemeClr>
+            </a:lnRef>
+            <a:fillRef idx="1">
+              <a:schemeClr val="accent1"/>
+            </a:fillRef>
+            <a:effectRef idx="0">
+              <a:schemeClr val="accent1"/>
+            </a:effectRef>
+            <a:fontRef idx="minor">
+              <a:schemeClr val="lt1"/>
+            </a:fontRef>
+          </p:style>
+          <p:txBody>
+            <a:bodyPr rtlCol="0" anchor="ctr"/>
+            <a:lstStyle/>
+            <a:p>
+              <a:pPr algn="ctr"/>
+              <a:r>
+                <a:rPr lang="ko-KR" altLang="en-US" dirty="0"/>
+                <a:t>사진</a:t>
+              </a:r>
+            </a:p>
+          </p:txBody>
+        </p:sp>
+        <p:sp>
+          <p:nvSpPr>
+            <p:cNvPr id="12" name="직사각형 11">
+              <a:extLst>
+                <a:ext uri="{FF2B5EF4-FFF2-40B4-BE49-F238E27FC236}">
+                  <a16:creationId xmlns:a16="http://schemas.microsoft.com/office/drawing/2014/main" id="{5BD00A87-4493-493D-9606-2DFC6AE1080E}"/>
+                </a:ext>
+              </a:extLst>
+            </p:cNvPr>
+            <p:cNvSpPr/>
+            <p:nvPr/>
+          </p:nvSpPr>
+          <p:spPr>
+            <a:xfrm>
+              <a:off x="2306729" y="1077115"/>
+              <a:ext cx="1510073" cy="154072"/>
+            </a:xfrm>
+            <a:prstGeom prst="rect">
+              <a:avLst/>
+            </a:prstGeom>
+            <a:solidFill>
+              <a:srgbClr val="7030A0"/>
+            </a:solidFill>
+            <a:ln>
+              <a:noFill/>
+            </a:ln>
+          </p:spPr>
+          <p:style>
+            <a:lnRef idx="2">
+              <a:schemeClr val="accent1">
+                <a:shade val="50000"/>
+              </a:schemeClr>
+            </a:lnRef>
+            <a:fillRef idx="1">
+              <a:schemeClr val="accent1"/>
+            </a:fillRef>
+            <a:effectRef idx="0">
+              <a:schemeClr val="accent1"/>
+            </a:effectRef>
+            <a:fontRef idx="minor">
+              <a:schemeClr val="lt1"/>
+            </a:fontRef>
+          </p:style>
+          <p:txBody>
+            <a:bodyPr rtlCol="0" anchor="ctr"/>
+            <a:lstStyle/>
+            <a:p>
+              <a:pPr algn="ctr"/>
+              <a:r>
+                <a:rPr lang="ko-KR" altLang="en-US" sz="1100" dirty="0"/>
+                <a:t>뉴스 제목</a:t>
+              </a:r>
+            </a:p>
+          </p:txBody>
+        </p:sp>
+        <p:sp>
+          <p:nvSpPr>
+            <p:cNvPr id="13" name="직사각형 12">
+              <a:extLst>
+                <a:ext uri="{FF2B5EF4-FFF2-40B4-BE49-F238E27FC236}">
+                  <a16:creationId xmlns:a16="http://schemas.microsoft.com/office/drawing/2014/main" id="{B7F4C487-A288-4502-87DE-0DEECC1396E3}"/>
+                </a:ext>
+              </a:extLst>
+            </p:cNvPr>
+            <p:cNvSpPr/>
+            <p:nvPr/>
+          </p:nvSpPr>
+          <p:spPr>
+            <a:xfrm>
+              <a:off x="2310050" y="1314240"/>
+              <a:ext cx="1510073" cy="440470"/>
+            </a:xfrm>
+            <a:prstGeom prst="rect">
+              <a:avLst/>
+            </a:prstGeom>
+            <a:solidFill>
+              <a:schemeClr val="accent6">
+                <a:lumMod val="60000"/>
+                <a:lumOff val="40000"/>
+              </a:schemeClr>
+            </a:solidFill>
+            <a:ln>
+              <a:noFill/>
+            </a:ln>
+          </p:spPr>
+          <p:style>
+            <a:lnRef idx="2">
+              <a:schemeClr val="accent1">
+                <a:shade val="50000"/>
+              </a:schemeClr>
+            </a:lnRef>
+            <a:fillRef idx="1">
+              <a:schemeClr val="accent1"/>
+            </a:fillRef>
+            <a:effectRef idx="0">
+              <a:schemeClr val="accent1"/>
+            </a:effectRef>
+            <a:fontRef idx="minor">
+              <a:schemeClr val="lt1"/>
+            </a:fontRef>
+          </p:style>
+          <p:txBody>
+            <a:bodyPr rtlCol="0" anchor="ctr"/>
+            <a:lstStyle/>
+            <a:p>
+              <a:pPr algn="ctr"/>
+              <a:r>
+                <a:rPr lang="ko-KR" altLang="en-US" dirty="0"/>
+                <a:t>뉴스 내용</a:t>
+              </a:r>
+            </a:p>
+          </p:txBody>
+        </p:sp>
+        <p:sp>
+          <p:nvSpPr>
+            <p:cNvPr id="30" name="직사각형 29">
+              <a:extLst>
+                <a:ext uri="{FF2B5EF4-FFF2-40B4-BE49-F238E27FC236}">
+                  <a16:creationId xmlns:a16="http://schemas.microsoft.com/office/drawing/2014/main" id="{289A7080-2E5A-4A64-A55F-59BED0D5EA92}"/>
+                </a:ext>
+              </a:extLst>
+            </p:cNvPr>
+            <p:cNvSpPr/>
+            <p:nvPr/>
+          </p:nvSpPr>
+          <p:spPr>
+            <a:xfrm>
+              <a:off x="2310050" y="1839735"/>
+              <a:ext cx="1510073" cy="154072"/>
+            </a:xfrm>
+            <a:prstGeom prst="rect">
+              <a:avLst/>
+            </a:prstGeom>
+            <a:solidFill>
+              <a:schemeClr val="accent2">
+                <a:lumMod val="40000"/>
+                <a:lumOff val="60000"/>
+              </a:schemeClr>
+            </a:solidFill>
+            <a:ln>
+              <a:noFill/>
+            </a:ln>
+          </p:spPr>
+          <p:style>
+            <a:lnRef idx="2">
+              <a:schemeClr val="accent1">
+                <a:shade val="50000"/>
+              </a:schemeClr>
+            </a:lnRef>
+            <a:fillRef idx="1">
+              <a:schemeClr val="accent1"/>
+            </a:fillRef>
+            <a:effectRef idx="0">
+              <a:schemeClr val="accent1"/>
+            </a:effectRef>
+            <a:fontRef idx="minor">
+              <a:schemeClr val="lt1"/>
+            </a:fontRef>
+          </p:style>
+          <p:txBody>
+            <a:bodyPr rtlCol="0" anchor="ctr"/>
+            <a:lstStyle/>
+            <a:p>
+              <a:pPr algn="ctr"/>
+              <a:r>
+                <a:rPr lang="ko-KR" altLang="en-US" sz="1100" dirty="0"/>
+                <a:t>키워드</a:t>
+              </a:r>
+            </a:p>
+          </p:txBody>
+        </p:sp>
+      </p:grpSp>
+      <p:grpSp>
+        <p:nvGrpSpPr>
+          <p:cNvPr id="32" name="그룹 31">
+            <a:extLst>
+              <a:ext uri="{FF2B5EF4-FFF2-40B4-BE49-F238E27FC236}">
+                <a16:creationId xmlns:a16="http://schemas.microsoft.com/office/drawing/2014/main" id="{F32E90AB-B657-48C4-9315-938B4A4514F1}"/>
+              </a:ext>
+            </a:extLst>
+          </p:cNvPr>
+          <p:cNvGrpSpPr/>
+          <p:nvPr/>
+        </p:nvGrpSpPr>
+        <p:grpSpPr>
+          <a:xfrm>
+            <a:off x="1269668" y="2139588"/>
+            <a:ext cx="2653553" cy="1062234"/>
+            <a:chOff x="1269668" y="994025"/>
+            <a:chExt cx="2653553" cy="1062234"/>
+          </a:xfrm>
+        </p:grpSpPr>
+        <p:sp>
+          <p:nvSpPr>
+            <p:cNvPr id="33" name="직사각형 32">
+              <a:extLst>
+                <a:ext uri="{FF2B5EF4-FFF2-40B4-BE49-F238E27FC236}">
+                  <a16:creationId xmlns:a16="http://schemas.microsoft.com/office/drawing/2014/main" id="{F1F16D50-4C75-4480-B24D-40181AC27C65}"/>
+                </a:ext>
+              </a:extLst>
+            </p:cNvPr>
+            <p:cNvSpPr/>
+            <p:nvPr/>
+          </p:nvSpPr>
+          <p:spPr>
+            <a:xfrm>
+              <a:off x="1269668" y="994025"/>
+              <a:ext cx="2653553" cy="1062234"/>
+            </a:xfrm>
+            <a:prstGeom prst="rect">
+              <a:avLst/>
+            </a:prstGeom>
+            <a:solidFill>
+              <a:schemeClr val="accent1">
+                <a:lumMod val="60000"/>
+                <a:lumOff val="40000"/>
+              </a:schemeClr>
+            </a:solidFill>
+            <a:ln>
+              <a:noFill/>
+            </a:ln>
+          </p:spPr>
+          <p:style>
+            <a:lnRef idx="2">
+              <a:schemeClr val="accent1">
+                <a:shade val="50000"/>
+              </a:schemeClr>
+            </a:lnRef>
+            <a:fillRef idx="1">
+              <a:schemeClr val="accent1"/>
+            </a:fillRef>
+            <a:effectRef idx="0">
+              <a:schemeClr val="accent1"/>
+            </a:effectRef>
+            <a:fontRef idx="minor">
+              <a:schemeClr val="lt1"/>
+            </a:fontRef>
+          </p:style>
+          <p:txBody>
+            <a:bodyPr rtlCol="0" anchor="ctr"/>
+            <a:lstStyle/>
+            <a:p>
+              <a:pPr algn="ctr"/>
+              <a:endParaRPr lang="ko-KR" altLang="en-US"/>
+            </a:p>
+          </p:txBody>
+        </p:sp>
+        <p:sp>
+          <p:nvSpPr>
+            <p:cNvPr id="34" name="직사각형 33">
+              <a:extLst>
+                <a:ext uri="{FF2B5EF4-FFF2-40B4-BE49-F238E27FC236}">
+                  <a16:creationId xmlns:a16="http://schemas.microsoft.com/office/drawing/2014/main" id="{375AF0AE-1236-4FF4-822D-FE439BF72818}"/>
+                </a:ext>
+              </a:extLst>
+            </p:cNvPr>
+            <p:cNvSpPr/>
+            <p:nvPr/>
+          </p:nvSpPr>
+          <p:spPr>
+            <a:xfrm>
+              <a:off x="1337088" y="1059807"/>
+              <a:ext cx="902221" cy="934000"/>
+            </a:xfrm>
+            <a:prstGeom prst="rect">
+              <a:avLst/>
+            </a:prstGeom>
+            <a:solidFill>
+              <a:schemeClr val="accent4">
+                <a:lumMod val="60000"/>
+                <a:lumOff val="40000"/>
+              </a:schemeClr>
+            </a:solidFill>
+            <a:ln>
+              <a:noFill/>
+            </a:ln>
+          </p:spPr>
+          <p:style>
+            <a:lnRef idx="2">
+              <a:schemeClr val="accent1">
+                <a:shade val="50000"/>
+              </a:schemeClr>
+            </a:lnRef>
+            <a:fillRef idx="1">
+              <a:schemeClr val="accent1"/>
+            </a:fillRef>
+            <a:effectRef idx="0">
+              <a:schemeClr val="accent1"/>
+            </a:effectRef>
+            <a:fontRef idx="minor">
+              <a:schemeClr val="lt1"/>
+            </a:fontRef>
+          </p:style>
+          <p:txBody>
+            <a:bodyPr rtlCol="0" anchor="ctr"/>
+            <a:lstStyle/>
+            <a:p>
+              <a:pPr algn="ctr"/>
+              <a:r>
+                <a:rPr lang="ko-KR" altLang="en-US" dirty="0"/>
+                <a:t>사진</a:t>
+              </a:r>
+            </a:p>
+          </p:txBody>
+        </p:sp>
+        <p:sp>
+          <p:nvSpPr>
+            <p:cNvPr id="35" name="직사각형 34">
+              <a:extLst>
+                <a:ext uri="{FF2B5EF4-FFF2-40B4-BE49-F238E27FC236}">
+                  <a16:creationId xmlns:a16="http://schemas.microsoft.com/office/drawing/2014/main" id="{8C594C17-67D6-4E70-99C5-FAB4C9BF4E20}"/>
+                </a:ext>
+              </a:extLst>
+            </p:cNvPr>
+            <p:cNvSpPr/>
+            <p:nvPr/>
+          </p:nvSpPr>
+          <p:spPr>
+            <a:xfrm>
+              <a:off x="2306729" y="1077115"/>
+              <a:ext cx="1510073" cy="154072"/>
+            </a:xfrm>
+            <a:prstGeom prst="rect">
+              <a:avLst/>
+            </a:prstGeom>
+            <a:solidFill>
+              <a:srgbClr val="7030A0"/>
+            </a:solidFill>
+            <a:ln>
+              <a:noFill/>
+            </a:ln>
+          </p:spPr>
+          <p:style>
+            <a:lnRef idx="2">
+              <a:schemeClr val="accent1">
+                <a:shade val="50000"/>
+              </a:schemeClr>
+            </a:lnRef>
+            <a:fillRef idx="1">
+              <a:schemeClr val="accent1"/>
+            </a:fillRef>
+            <a:effectRef idx="0">
+              <a:schemeClr val="accent1"/>
+            </a:effectRef>
+            <a:fontRef idx="minor">
+              <a:schemeClr val="lt1"/>
+            </a:fontRef>
+          </p:style>
+          <p:txBody>
+            <a:bodyPr rtlCol="0" anchor="ctr"/>
+            <a:lstStyle/>
+            <a:p>
+              <a:pPr algn="ctr"/>
+              <a:r>
+                <a:rPr lang="ko-KR" altLang="en-US" sz="1100" dirty="0"/>
+                <a:t>뉴스 제목</a:t>
+              </a:r>
+            </a:p>
+          </p:txBody>
+        </p:sp>
+        <p:sp>
+          <p:nvSpPr>
+            <p:cNvPr id="36" name="직사각형 35">
+              <a:extLst>
+                <a:ext uri="{FF2B5EF4-FFF2-40B4-BE49-F238E27FC236}">
+                  <a16:creationId xmlns:a16="http://schemas.microsoft.com/office/drawing/2014/main" id="{047C134A-8C04-45C3-BF16-289616B8797B}"/>
+                </a:ext>
+              </a:extLst>
+            </p:cNvPr>
+            <p:cNvSpPr/>
+            <p:nvPr/>
+          </p:nvSpPr>
+          <p:spPr>
+            <a:xfrm>
+              <a:off x="2310050" y="1314240"/>
+              <a:ext cx="1510073" cy="440470"/>
+            </a:xfrm>
+            <a:prstGeom prst="rect">
+              <a:avLst/>
+            </a:prstGeom>
+            <a:solidFill>
+              <a:schemeClr val="accent6">
+                <a:lumMod val="60000"/>
+                <a:lumOff val="40000"/>
+              </a:schemeClr>
+            </a:solidFill>
+            <a:ln>
+              <a:noFill/>
+            </a:ln>
+          </p:spPr>
+          <p:style>
+            <a:lnRef idx="2">
+              <a:schemeClr val="accent1">
+                <a:shade val="50000"/>
+              </a:schemeClr>
+            </a:lnRef>
+            <a:fillRef idx="1">
+              <a:schemeClr val="accent1"/>
+            </a:fillRef>
+            <a:effectRef idx="0">
+              <a:schemeClr val="accent1"/>
+            </a:effectRef>
+            <a:fontRef idx="minor">
+              <a:schemeClr val="lt1"/>
+            </a:fontRef>
+          </p:style>
+          <p:txBody>
+            <a:bodyPr rtlCol="0" anchor="ctr"/>
+            <a:lstStyle/>
+            <a:p>
+              <a:pPr algn="ctr"/>
+              <a:r>
+                <a:rPr lang="ko-KR" altLang="en-US" dirty="0"/>
+                <a:t>뉴스 내용</a:t>
+              </a:r>
+            </a:p>
+          </p:txBody>
+        </p:sp>
+        <p:sp>
+          <p:nvSpPr>
+            <p:cNvPr id="37" name="직사각형 36">
+              <a:extLst>
+                <a:ext uri="{FF2B5EF4-FFF2-40B4-BE49-F238E27FC236}">
+                  <a16:creationId xmlns:a16="http://schemas.microsoft.com/office/drawing/2014/main" id="{99CD6A87-2D5B-47D2-8F08-9EFBFB2CC6EF}"/>
+                </a:ext>
+              </a:extLst>
+            </p:cNvPr>
+            <p:cNvSpPr/>
+            <p:nvPr/>
+          </p:nvSpPr>
+          <p:spPr>
+            <a:xfrm>
+              <a:off x="2310050" y="1839735"/>
+              <a:ext cx="1510073" cy="154072"/>
+            </a:xfrm>
+            <a:prstGeom prst="rect">
+              <a:avLst/>
+            </a:prstGeom>
+            <a:solidFill>
+              <a:schemeClr val="accent2">
+                <a:lumMod val="40000"/>
+                <a:lumOff val="60000"/>
+              </a:schemeClr>
+            </a:solidFill>
+            <a:ln>
+              <a:noFill/>
+            </a:ln>
+          </p:spPr>
+          <p:style>
+            <a:lnRef idx="2">
+              <a:schemeClr val="accent1">
+                <a:shade val="50000"/>
+              </a:schemeClr>
+            </a:lnRef>
+            <a:fillRef idx="1">
+              <a:schemeClr val="accent1"/>
+            </a:fillRef>
+            <a:effectRef idx="0">
+              <a:schemeClr val="accent1"/>
+            </a:effectRef>
+            <a:fontRef idx="minor">
+              <a:schemeClr val="lt1"/>
+            </a:fontRef>
+          </p:style>
+          <p:txBody>
+            <a:bodyPr rtlCol="0" anchor="ctr"/>
+            <a:lstStyle/>
+            <a:p>
+              <a:pPr algn="ctr"/>
+              <a:r>
+                <a:rPr lang="ko-KR" altLang="en-US" sz="1100" dirty="0"/>
+                <a:t>키워드</a:t>
+              </a:r>
+            </a:p>
+          </p:txBody>
+        </p:sp>
+      </p:grpSp>
+      <p:grpSp>
+        <p:nvGrpSpPr>
+          <p:cNvPr id="38" name="그룹 37">
+            <a:extLst>
+              <a:ext uri="{FF2B5EF4-FFF2-40B4-BE49-F238E27FC236}">
+                <a16:creationId xmlns:a16="http://schemas.microsoft.com/office/drawing/2014/main" id="{97AA7BB8-BD61-4A84-B338-C3611ACCEBF4}"/>
+              </a:ext>
+            </a:extLst>
+          </p:cNvPr>
+          <p:cNvGrpSpPr/>
+          <p:nvPr/>
+        </p:nvGrpSpPr>
+        <p:grpSpPr>
+          <a:xfrm>
+            <a:off x="1269668" y="3297110"/>
+            <a:ext cx="2653553" cy="1062234"/>
+            <a:chOff x="1269668" y="994025"/>
+            <a:chExt cx="2653553" cy="1062234"/>
+          </a:xfrm>
+        </p:grpSpPr>
+        <p:sp>
+          <p:nvSpPr>
+            <p:cNvPr id="39" name="직사각형 38">
+              <a:extLst>
+                <a:ext uri="{FF2B5EF4-FFF2-40B4-BE49-F238E27FC236}">
+                  <a16:creationId xmlns:a16="http://schemas.microsoft.com/office/drawing/2014/main" id="{1EE73B2B-1045-48C8-BF3E-F42F1A12235D}"/>
+                </a:ext>
+              </a:extLst>
+            </p:cNvPr>
+            <p:cNvSpPr/>
+            <p:nvPr/>
+          </p:nvSpPr>
+          <p:spPr>
+            <a:xfrm>
+              <a:off x="1269668" y="994025"/>
+              <a:ext cx="2653553" cy="1062234"/>
+            </a:xfrm>
+            <a:prstGeom prst="rect">
+              <a:avLst/>
+            </a:prstGeom>
+            <a:solidFill>
+              <a:schemeClr val="accent1">
+                <a:lumMod val="60000"/>
+                <a:lumOff val="40000"/>
+              </a:schemeClr>
+            </a:solidFill>
+            <a:ln>
+              <a:noFill/>
+            </a:ln>
+          </p:spPr>
+          <p:style>
+            <a:lnRef idx="2">
+              <a:schemeClr val="accent1">
+                <a:shade val="50000"/>
+              </a:schemeClr>
+            </a:lnRef>
+            <a:fillRef idx="1">
+              <a:schemeClr val="accent1"/>
+            </a:fillRef>
+            <a:effectRef idx="0">
+              <a:schemeClr val="accent1"/>
+            </a:effectRef>
+            <a:fontRef idx="minor">
+              <a:schemeClr val="lt1"/>
+            </a:fontRef>
+          </p:style>
+          <p:txBody>
+            <a:bodyPr rtlCol="0" anchor="ctr"/>
+            <a:lstStyle/>
+            <a:p>
+              <a:pPr algn="ctr"/>
+              <a:endParaRPr lang="ko-KR" altLang="en-US"/>
+            </a:p>
+          </p:txBody>
+        </p:sp>
+        <p:sp>
+          <p:nvSpPr>
+            <p:cNvPr id="40" name="직사각형 39">
+              <a:extLst>
+                <a:ext uri="{FF2B5EF4-FFF2-40B4-BE49-F238E27FC236}">
+                  <a16:creationId xmlns:a16="http://schemas.microsoft.com/office/drawing/2014/main" id="{1D0F1C32-8858-449F-9247-FFCB4E4F0F9D}"/>
+                </a:ext>
+              </a:extLst>
+            </p:cNvPr>
+            <p:cNvSpPr/>
+            <p:nvPr/>
+          </p:nvSpPr>
+          <p:spPr>
+            <a:xfrm>
+              <a:off x="1337088" y="1059807"/>
+              <a:ext cx="902221" cy="934000"/>
+            </a:xfrm>
+            <a:prstGeom prst="rect">
+              <a:avLst/>
+            </a:prstGeom>
+            <a:solidFill>
+              <a:schemeClr val="accent4">
+                <a:lumMod val="60000"/>
+                <a:lumOff val="40000"/>
+              </a:schemeClr>
+            </a:solidFill>
+            <a:ln>
+              <a:noFill/>
+            </a:ln>
+          </p:spPr>
+          <p:style>
+            <a:lnRef idx="2">
+              <a:schemeClr val="accent1">
+                <a:shade val="50000"/>
+              </a:schemeClr>
+            </a:lnRef>
+            <a:fillRef idx="1">
+              <a:schemeClr val="accent1"/>
+            </a:fillRef>
+            <a:effectRef idx="0">
+              <a:schemeClr val="accent1"/>
+            </a:effectRef>
+            <a:fontRef idx="minor">
+              <a:schemeClr val="lt1"/>
+            </a:fontRef>
+          </p:style>
+          <p:txBody>
+            <a:bodyPr rtlCol="0" anchor="ctr"/>
+            <a:lstStyle/>
+            <a:p>
+              <a:pPr algn="ctr"/>
+              <a:r>
+                <a:rPr lang="ko-KR" altLang="en-US" dirty="0"/>
+                <a:t>사진</a:t>
+              </a:r>
+            </a:p>
+          </p:txBody>
+        </p:sp>
+        <p:sp>
+          <p:nvSpPr>
+            <p:cNvPr id="41" name="직사각형 40">
+              <a:extLst>
+                <a:ext uri="{FF2B5EF4-FFF2-40B4-BE49-F238E27FC236}">
+                  <a16:creationId xmlns:a16="http://schemas.microsoft.com/office/drawing/2014/main" id="{29B7B5F4-FA18-4E57-ACFE-ADABE4537942}"/>
+                </a:ext>
+              </a:extLst>
+            </p:cNvPr>
+            <p:cNvSpPr/>
+            <p:nvPr/>
+          </p:nvSpPr>
+          <p:spPr>
+            <a:xfrm>
+              <a:off x="2306729" y="1077115"/>
+              <a:ext cx="1510073" cy="154072"/>
+            </a:xfrm>
+            <a:prstGeom prst="rect">
+              <a:avLst/>
+            </a:prstGeom>
+            <a:solidFill>
+              <a:srgbClr val="7030A0"/>
+            </a:solidFill>
+            <a:ln>
+              <a:noFill/>
+            </a:ln>
+          </p:spPr>
+          <p:style>
+            <a:lnRef idx="2">
+              <a:schemeClr val="accent1">
+                <a:shade val="50000"/>
+              </a:schemeClr>
+            </a:lnRef>
+            <a:fillRef idx="1">
+              <a:schemeClr val="accent1"/>
+            </a:fillRef>
+            <a:effectRef idx="0">
+              <a:schemeClr val="accent1"/>
+            </a:effectRef>
+            <a:fontRef idx="minor">
+              <a:schemeClr val="lt1"/>
+            </a:fontRef>
+          </p:style>
+          <p:txBody>
+            <a:bodyPr rtlCol="0" anchor="ctr"/>
+            <a:lstStyle/>
+            <a:p>
+              <a:pPr algn="ctr"/>
+              <a:r>
+                <a:rPr lang="ko-KR" altLang="en-US" sz="1100" dirty="0"/>
+                <a:t>뉴스 제목</a:t>
+              </a:r>
+            </a:p>
+          </p:txBody>
+        </p:sp>
+        <p:sp>
+          <p:nvSpPr>
+            <p:cNvPr id="42" name="직사각형 41">
+              <a:extLst>
+                <a:ext uri="{FF2B5EF4-FFF2-40B4-BE49-F238E27FC236}">
+                  <a16:creationId xmlns:a16="http://schemas.microsoft.com/office/drawing/2014/main" id="{D20EB671-B8A6-43B3-BA21-D07D93568CB1}"/>
+                </a:ext>
+              </a:extLst>
+            </p:cNvPr>
+            <p:cNvSpPr/>
+            <p:nvPr/>
+          </p:nvSpPr>
+          <p:spPr>
+            <a:xfrm>
+              <a:off x="2310050" y="1314240"/>
+              <a:ext cx="1510073" cy="440470"/>
+            </a:xfrm>
+            <a:prstGeom prst="rect">
+              <a:avLst/>
+            </a:prstGeom>
+            <a:solidFill>
+              <a:schemeClr val="accent6">
+                <a:lumMod val="60000"/>
+                <a:lumOff val="40000"/>
+              </a:schemeClr>
+            </a:solidFill>
+            <a:ln>
+              <a:noFill/>
+            </a:ln>
+          </p:spPr>
+          <p:style>
+            <a:lnRef idx="2">
+              <a:schemeClr val="accent1">
+                <a:shade val="50000"/>
+              </a:schemeClr>
+            </a:lnRef>
+            <a:fillRef idx="1">
+              <a:schemeClr val="accent1"/>
+            </a:fillRef>
+            <a:effectRef idx="0">
+              <a:schemeClr val="accent1"/>
+            </a:effectRef>
+            <a:fontRef idx="minor">
+              <a:schemeClr val="lt1"/>
+            </a:fontRef>
+          </p:style>
+          <p:txBody>
+            <a:bodyPr rtlCol="0" anchor="ctr"/>
+            <a:lstStyle/>
+            <a:p>
+              <a:pPr algn="ctr"/>
+              <a:r>
+                <a:rPr lang="ko-KR" altLang="en-US" dirty="0"/>
+                <a:t>뉴스 내용</a:t>
+              </a:r>
+            </a:p>
+          </p:txBody>
+        </p:sp>
+        <p:sp>
+          <p:nvSpPr>
+            <p:cNvPr id="43" name="직사각형 42">
+              <a:extLst>
+                <a:ext uri="{FF2B5EF4-FFF2-40B4-BE49-F238E27FC236}">
+                  <a16:creationId xmlns:a16="http://schemas.microsoft.com/office/drawing/2014/main" id="{99800CB6-A55C-4047-BE91-228FF9C2B8B5}"/>
+                </a:ext>
+              </a:extLst>
+            </p:cNvPr>
+            <p:cNvSpPr/>
+            <p:nvPr/>
+          </p:nvSpPr>
+          <p:spPr>
+            <a:xfrm>
+              <a:off x="2310050" y="1839735"/>
+              <a:ext cx="1510073" cy="154072"/>
+            </a:xfrm>
+            <a:prstGeom prst="rect">
+              <a:avLst/>
+            </a:prstGeom>
+            <a:solidFill>
+              <a:schemeClr val="accent2">
+                <a:lumMod val="40000"/>
+                <a:lumOff val="60000"/>
+              </a:schemeClr>
+            </a:solidFill>
+            <a:ln>
+              <a:noFill/>
+            </a:ln>
+          </p:spPr>
+          <p:style>
+            <a:lnRef idx="2">
+              <a:schemeClr val="accent1">
+                <a:shade val="50000"/>
+              </a:schemeClr>
+            </a:lnRef>
+            <a:fillRef idx="1">
+              <a:schemeClr val="accent1"/>
+            </a:fillRef>
+            <a:effectRef idx="0">
+              <a:schemeClr val="accent1"/>
+            </a:effectRef>
+            <a:fontRef idx="minor">
+              <a:schemeClr val="lt1"/>
+            </a:fontRef>
+          </p:style>
+          <p:txBody>
+            <a:bodyPr rtlCol="0" anchor="ctr"/>
+            <a:lstStyle/>
+            <a:p>
+              <a:pPr algn="ctr"/>
+              <a:r>
+                <a:rPr lang="ko-KR" altLang="en-US" sz="1100" dirty="0"/>
+                <a:t>키워드</a:t>
+              </a:r>
+            </a:p>
+          </p:txBody>
+        </p:sp>
+      </p:grpSp>
+      <p:grpSp>
+        <p:nvGrpSpPr>
+          <p:cNvPr id="44" name="그룹 43">
+            <a:extLst>
+              <a:ext uri="{FF2B5EF4-FFF2-40B4-BE49-F238E27FC236}">
+                <a16:creationId xmlns:a16="http://schemas.microsoft.com/office/drawing/2014/main" id="{72E0E50F-C068-4EC7-939F-DAFA1E7824F8}"/>
+              </a:ext>
+            </a:extLst>
+          </p:cNvPr>
+          <p:cNvGrpSpPr/>
+          <p:nvPr/>
+        </p:nvGrpSpPr>
+        <p:grpSpPr>
+          <a:xfrm>
+            <a:off x="1269668" y="4426048"/>
+            <a:ext cx="2653553" cy="1062234"/>
+            <a:chOff x="1269668" y="994025"/>
+            <a:chExt cx="2653553" cy="1062234"/>
+          </a:xfrm>
+        </p:grpSpPr>
+        <p:sp>
+          <p:nvSpPr>
+            <p:cNvPr id="45" name="직사각형 44">
+              <a:extLst>
+                <a:ext uri="{FF2B5EF4-FFF2-40B4-BE49-F238E27FC236}">
+                  <a16:creationId xmlns:a16="http://schemas.microsoft.com/office/drawing/2014/main" id="{89047039-5431-43E0-AC9F-DF30661D589B}"/>
+                </a:ext>
+              </a:extLst>
+            </p:cNvPr>
+            <p:cNvSpPr/>
+            <p:nvPr/>
+          </p:nvSpPr>
+          <p:spPr>
+            <a:xfrm>
+              <a:off x="1269668" y="994025"/>
+              <a:ext cx="2653553" cy="1062234"/>
+            </a:xfrm>
+            <a:prstGeom prst="rect">
+              <a:avLst/>
+            </a:prstGeom>
+            <a:solidFill>
+              <a:schemeClr val="accent1">
+                <a:lumMod val="60000"/>
+                <a:lumOff val="40000"/>
+              </a:schemeClr>
+            </a:solidFill>
+            <a:ln>
+              <a:noFill/>
+            </a:ln>
+          </p:spPr>
+          <p:style>
+            <a:lnRef idx="2">
+              <a:schemeClr val="accent1">
+                <a:shade val="50000"/>
+              </a:schemeClr>
+            </a:lnRef>
+            <a:fillRef idx="1">
+              <a:schemeClr val="accent1"/>
+            </a:fillRef>
+            <a:effectRef idx="0">
+              <a:schemeClr val="accent1"/>
+            </a:effectRef>
+            <a:fontRef idx="minor">
+              <a:schemeClr val="lt1"/>
+            </a:fontRef>
+          </p:style>
+          <p:txBody>
+            <a:bodyPr rtlCol="0" anchor="ctr"/>
+            <a:lstStyle/>
+            <a:p>
+              <a:pPr algn="ctr"/>
+              <a:endParaRPr lang="ko-KR" altLang="en-US"/>
+            </a:p>
+          </p:txBody>
+        </p:sp>
+        <p:sp>
+          <p:nvSpPr>
+            <p:cNvPr id="46" name="직사각형 45">
+              <a:extLst>
+                <a:ext uri="{FF2B5EF4-FFF2-40B4-BE49-F238E27FC236}">
+                  <a16:creationId xmlns:a16="http://schemas.microsoft.com/office/drawing/2014/main" id="{AFB2CAE4-3513-4BED-8F40-88E1FA1B5404}"/>
+                </a:ext>
+              </a:extLst>
+            </p:cNvPr>
+            <p:cNvSpPr/>
+            <p:nvPr/>
+          </p:nvSpPr>
+          <p:spPr>
+            <a:xfrm>
+              <a:off x="1337088" y="1059807"/>
+              <a:ext cx="902221" cy="934000"/>
+            </a:xfrm>
+            <a:prstGeom prst="rect">
+              <a:avLst/>
+            </a:prstGeom>
+            <a:solidFill>
+              <a:schemeClr val="accent4">
+                <a:lumMod val="60000"/>
+                <a:lumOff val="40000"/>
+              </a:schemeClr>
+            </a:solidFill>
+            <a:ln>
+              <a:noFill/>
+            </a:ln>
+          </p:spPr>
+          <p:style>
+            <a:lnRef idx="2">
+              <a:schemeClr val="accent1">
+                <a:shade val="50000"/>
+              </a:schemeClr>
+            </a:lnRef>
+            <a:fillRef idx="1">
+              <a:schemeClr val="accent1"/>
+            </a:fillRef>
+            <a:effectRef idx="0">
+              <a:schemeClr val="accent1"/>
+            </a:effectRef>
+            <a:fontRef idx="minor">
+              <a:schemeClr val="lt1"/>
+            </a:fontRef>
+          </p:style>
+          <p:txBody>
+            <a:bodyPr rtlCol="0" anchor="ctr"/>
+            <a:lstStyle/>
+            <a:p>
+              <a:pPr algn="ctr"/>
+              <a:r>
+                <a:rPr lang="ko-KR" altLang="en-US" dirty="0"/>
+                <a:t>사진</a:t>
+              </a:r>
+            </a:p>
+          </p:txBody>
+        </p:sp>
+        <p:sp>
+          <p:nvSpPr>
+            <p:cNvPr id="47" name="직사각형 46">
+              <a:extLst>
+                <a:ext uri="{FF2B5EF4-FFF2-40B4-BE49-F238E27FC236}">
+                  <a16:creationId xmlns:a16="http://schemas.microsoft.com/office/drawing/2014/main" id="{0D556E2C-799A-4702-9E6F-EACAF5AB3401}"/>
+                </a:ext>
+              </a:extLst>
+            </p:cNvPr>
+            <p:cNvSpPr/>
+            <p:nvPr/>
+          </p:nvSpPr>
+          <p:spPr>
+            <a:xfrm>
+              <a:off x="2306729" y="1077115"/>
+              <a:ext cx="1510073" cy="154072"/>
+            </a:xfrm>
+            <a:prstGeom prst="rect">
+              <a:avLst/>
+            </a:prstGeom>
+            <a:solidFill>
+              <a:srgbClr val="7030A0"/>
+            </a:solidFill>
+            <a:ln>
+              <a:noFill/>
+            </a:ln>
+          </p:spPr>
+          <p:style>
+            <a:lnRef idx="2">
+              <a:schemeClr val="accent1">
+                <a:shade val="50000"/>
+              </a:schemeClr>
+            </a:lnRef>
+            <a:fillRef idx="1">
+              <a:schemeClr val="accent1"/>
+            </a:fillRef>
+            <a:effectRef idx="0">
+              <a:schemeClr val="accent1"/>
+            </a:effectRef>
+            <a:fontRef idx="minor">
+              <a:schemeClr val="lt1"/>
+            </a:fontRef>
+          </p:style>
+          <p:txBody>
+            <a:bodyPr rtlCol="0" anchor="ctr"/>
+            <a:lstStyle/>
+            <a:p>
+              <a:pPr algn="ctr"/>
+              <a:r>
+                <a:rPr lang="ko-KR" altLang="en-US" sz="1100" dirty="0"/>
+                <a:t>뉴스 제목</a:t>
+              </a:r>
+            </a:p>
+          </p:txBody>
+        </p:sp>
+        <p:sp>
+          <p:nvSpPr>
+            <p:cNvPr id="48" name="직사각형 47">
+              <a:extLst>
+                <a:ext uri="{FF2B5EF4-FFF2-40B4-BE49-F238E27FC236}">
+                  <a16:creationId xmlns:a16="http://schemas.microsoft.com/office/drawing/2014/main" id="{A5171196-AC59-4711-AD8A-B995535B199A}"/>
+                </a:ext>
+              </a:extLst>
+            </p:cNvPr>
+            <p:cNvSpPr/>
+            <p:nvPr/>
+          </p:nvSpPr>
+          <p:spPr>
+            <a:xfrm>
+              <a:off x="2310050" y="1314240"/>
+              <a:ext cx="1510073" cy="440470"/>
+            </a:xfrm>
+            <a:prstGeom prst="rect">
+              <a:avLst/>
+            </a:prstGeom>
+            <a:solidFill>
+              <a:schemeClr val="accent6">
+                <a:lumMod val="60000"/>
+                <a:lumOff val="40000"/>
+              </a:schemeClr>
+            </a:solidFill>
+            <a:ln>
+              <a:noFill/>
+            </a:ln>
+          </p:spPr>
+          <p:style>
+            <a:lnRef idx="2">
+              <a:schemeClr val="accent1">
+                <a:shade val="50000"/>
+              </a:schemeClr>
+            </a:lnRef>
+            <a:fillRef idx="1">
+              <a:schemeClr val="accent1"/>
+            </a:fillRef>
+            <a:effectRef idx="0">
+              <a:schemeClr val="accent1"/>
+            </a:effectRef>
+            <a:fontRef idx="minor">
+              <a:schemeClr val="lt1"/>
+            </a:fontRef>
+          </p:style>
+          <p:txBody>
+            <a:bodyPr rtlCol="0" anchor="ctr"/>
+            <a:lstStyle/>
+            <a:p>
+              <a:pPr algn="ctr"/>
+              <a:r>
+                <a:rPr lang="ko-KR" altLang="en-US" dirty="0"/>
+                <a:t>뉴스 내용</a:t>
+              </a:r>
+            </a:p>
+          </p:txBody>
+        </p:sp>
+        <p:sp>
+          <p:nvSpPr>
+            <p:cNvPr id="49" name="직사각형 48">
+              <a:extLst>
+                <a:ext uri="{FF2B5EF4-FFF2-40B4-BE49-F238E27FC236}">
+                  <a16:creationId xmlns:a16="http://schemas.microsoft.com/office/drawing/2014/main" id="{CB8AB205-44DC-4234-92FD-9CF18F6AC0FB}"/>
+                </a:ext>
+              </a:extLst>
+            </p:cNvPr>
+            <p:cNvSpPr/>
+            <p:nvPr/>
+          </p:nvSpPr>
+          <p:spPr>
+            <a:xfrm>
+              <a:off x="2310050" y="1839735"/>
+              <a:ext cx="1510073" cy="154072"/>
+            </a:xfrm>
+            <a:prstGeom prst="rect">
+              <a:avLst/>
+            </a:prstGeom>
+            <a:solidFill>
+              <a:schemeClr val="accent2">
+                <a:lumMod val="40000"/>
+                <a:lumOff val="60000"/>
+              </a:schemeClr>
+            </a:solidFill>
+            <a:ln>
+              <a:noFill/>
+            </a:ln>
+          </p:spPr>
+          <p:style>
+            <a:lnRef idx="2">
+              <a:schemeClr val="accent1">
+                <a:shade val="50000"/>
+              </a:schemeClr>
+            </a:lnRef>
+            <a:fillRef idx="1">
+              <a:schemeClr val="accent1"/>
+            </a:fillRef>
+            <a:effectRef idx="0">
+              <a:schemeClr val="accent1"/>
+            </a:effectRef>
+            <a:fontRef idx="minor">
+              <a:schemeClr val="lt1"/>
+            </a:fontRef>
+          </p:style>
+          <p:txBody>
+            <a:bodyPr rtlCol="0" anchor="ctr"/>
+            <a:lstStyle/>
+            <a:p>
+              <a:pPr algn="ctr"/>
+              <a:r>
+                <a:rPr lang="ko-KR" altLang="en-US" sz="1100" dirty="0"/>
+                <a:t>키워드</a:t>
+              </a:r>
+            </a:p>
+          </p:txBody>
+        </p:sp>
+      </p:grpSp>
+      <p:sp>
+        <p:nvSpPr>
+          <p:cNvPr id="50" name="TextBox 49">
+            <a:extLst>
+              <a:ext uri="{FF2B5EF4-FFF2-40B4-BE49-F238E27FC236}">
+                <a16:creationId xmlns:a16="http://schemas.microsoft.com/office/drawing/2014/main" id="{9E08D81C-8D98-4ED2-BFA8-9CCB1E59E5D4}"/>
+              </a:ext>
+            </a:extLst>
+          </p:cNvPr>
+          <p:cNvSpPr txBox="1"/>
+          <p:nvPr/>
+        </p:nvSpPr>
+        <p:spPr>
+          <a:xfrm>
+            <a:off x="4903695" y="915114"/>
+            <a:ext cx="4775346" cy="3970318"/>
+          </a:xfrm>
+          <a:prstGeom prst="rect">
+            <a:avLst/>
+          </a:prstGeom>
+          <a:noFill/>
+        </p:spPr>
+        <p:txBody>
+          <a:bodyPr wrap="none" rtlCol="0">
+            <a:spAutoFit/>
+          </a:bodyPr>
+          <a:lstStyle/>
+          <a:p>
+            <a:r>
+              <a:rPr lang="en-US" altLang="ko-KR" dirty="0"/>
+              <a:t>1. </a:t>
+            </a:r>
+            <a:r>
+              <a:rPr lang="en-US" altLang="ko-KR" dirty="0" err="1"/>
+              <a:t>ViewModel</a:t>
+            </a:r>
+            <a:r>
+              <a:rPr lang="en-US" altLang="ko-KR" dirty="0"/>
+              <a:t> </a:t>
+            </a:r>
+            <a:r>
+              <a:rPr lang="ko-KR" altLang="en-US" dirty="0"/>
+              <a:t>기능</a:t>
+            </a:r>
+            <a:endParaRPr lang="en-US" altLang="ko-KR" dirty="0"/>
+          </a:p>
+          <a:p>
+            <a:pPr marL="285750" indent="-285750">
+              <a:buFontTx/>
+              <a:buChar char="-"/>
+            </a:pPr>
+            <a:r>
+              <a:rPr lang="en-US" altLang="ko-KR" dirty="0"/>
+              <a:t>RSS Data </a:t>
+            </a:r>
+            <a:r>
+              <a:rPr lang="ko-KR" altLang="en-US" dirty="0"/>
+              <a:t>객체</a:t>
+            </a:r>
+            <a:endParaRPr lang="en-US" altLang="ko-KR" dirty="0"/>
+          </a:p>
+          <a:p>
+            <a:pPr marL="285750" indent="-285750">
+              <a:buFontTx/>
+              <a:buChar char="-"/>
+            </a:pPr>
+            <a:r>
+              <a:rPr lang="en-US" altLang="ko-KR" dirty="0"/>
+              <a:t>News Data </a:t>
+            </a:r>
+            <a:r>
+              <a:rPr lang="ko-KR" altLang="en-US" dirty="0"/>
+              <a:t>객체</a:t>
+            </a:r>
+            <a:endParaRPr lang="en-US" altLang="ko-KR" dirty="0"/>
+          </a:p>
+          <a:p>
+            <a:pPr marL="342900" indent="-342900">
+              <a:buAutoNum type="arabicPeriod"/>
+            </a:pPr>
+            <a:endParaRPr lang="en-US" altLang="ko-KR" dirty="0"/>
+          </a:p>
+          <a:p>
+            <a:r>
+              <a:rPr lang="en-US" altLang="ko-KR" dirty="0"/>
+              <a:t>2. View </a:t>
+            </a:r>
+            <a:r>
+              <a:rPr lang="ko-KR" altLang="en-US" dirty="0"/>
+              <a:t>기능</a:t>
+            </a:r>
+            <a:endParaRPr lang="en-US" altLang="ko-KR" dirty="0"/>
+          </a:p>
+          <a:p>
+            <a:pPr marL="285750" indent="-285750">
+              <a:buFontTx/>
+              <a:buChar char="-"/>
+            </a:pPr>
+            <a:r>
+              <a:rPr lang="en-US" altLang="ko-KR" dirty="0"/>
+              <a:t>Adapter</a:t>
+            </a:r>
+          </a:p>
+          <a:p>
+            <a:pPr marL="285750" indent="-285750">
+              <a:buFontTx/>
+              <a:buChar char="-"/>
+            </a:pPr>
+            <a:r>
+              <a:rPr lang="en-US" altLang="ko-KR" dirty="0" err="1"/>
+              <a:t>RecyclerView</a:t>
+            </a:r>
+            <a:endParaRPr lang="en-US" altLang="ko-KR" dirty="0"/>
+          </a:p>
+          <a:p>
+            <a:endParaRPr lang="en-US" altLang="ko-KR" dirty="0"/>
+          </a:p>
+          <a:p>
+            <a:r>
+              <a:rPr lang="en-US" altLang="ko-KR" dirty="0"/>
+              <a:t>3. Model </a:t>
+            </a:r>
+            <a:r>
+              <a:rPr lang="ko-KR" altLang="en-US" dirty="0"/>
+              <a:t>기능</a:t>
+            </a:r>
+            <a:endParaRPr lang="en-US" altLang="ko-KR" dirty="0"/>
+          </a:p>
+          <a:p>
+            <a:pPr marL="285750" indent="-285750">
+              <a:buFontTx/>
+              <a:buChar char="-"/>
+            </a:pPr>
+            <a:r>
+              <a:rPr lang="en-US" altLang="ko-KR" dirty="0"/>
+              <a:t>RSS</a:t>
+            </a:r>
+          </a:p>
+          <a:p>
+            <a:pPr marL="285750" indent="-285750">
+              <a:buFontTx/>
+              <a:buChar char="-"/>
+            </a:pPr>
+            <a:r>
+              <a:rPr lang="en-US" altLang="ko-KR" dirty="0" err="1"/>
+              <a:t>NewsContentsPaser</a:t>
+            </a:r>
+            <a:r>
+              <a:rPr lang="en-US" altLang="ko-KR" dirty="0"/>
+              <a:t>(</a:t>
+            </a:r>
+            <a:r>
+              <a:rPr lang="ko-KR" altLang="en-US" dirty="0"/>
+              <a:t>키워드</a:t>
+            </a:r>
+            <a:r>
+              <a:rPr lang="en-US" altLang="ko-KR" dirty="0"/>
+              <a:t>, </a:t>
+            </a:r>
+            <a:r>
+              <a:rPr lang="ko-KR" altLang="en-US" dirty="0"/>
+              <a:t>설명</a:t>
+            </a:r>
+            <a:r>
+              <a:rPr lang="en-US" altLang="ko-KR" dirty="0"/>
+              <a:t>, </a:t>
+            </a:r>
+            <a:r>
+              <a:rPr lang="ko-KR" altLang="en-US" dirty="0"/>
+              <a:t>이미지</a:t>
+            </a:r>
+            <a:r>
+              <a:rPr lang="en-US" altLang="ko-KR" dirty="0"/>
+              <a:t>)</a:t>
+            </a:r>
+          </a:p>
+          <a:p>
+            <a:pPr marL="342900" indent="-342900">
+              <a:buAutoNum type="arabicPeriod"/>
+            </a:pPr>
+            <a:endParaRPr lang="en-US" altLang="ko-KR" dirty="0"/>
+          </a:p>
+          <a:p>
+            <a:pPr marL="342900" indent="-342900">
+              <a:buAutoNum type="arabicPeriod"/>
+            </a:pPr>
+            <a:endParaRPr lang="en-US" altLang="ko-KR" dirty="0"/>
+          </a:p>
+          <a:p>
+            <a:pPr marL="342900" indent="-342900">
+              <a:buAutoNum type="arabicPeriod"/>
+            </a:pPr>
+            <a:endParaRPr lang="ko-KR" altLang="en-US" dirty="0"/>
+          </a:p>
+        </p:txBody>
+      </p:sp>
+    </p:spTree>
+    <p:extLst>
+      <p:ext uri="{BB962C8B-B14F-4D97-AF65-F5344CB8AC3E}">
+        <p14:creationId xmlns:p14="http://schemas.microsoft.com/office/powerpoint/2010/main" val="2781140609"/>
+      </p:ext>
+    </p:extLst>
+  </p:cSld>
+  <p:clrMapOvr>
+    <a:masterClrMapping/>
+  </p:clrMapOvr>
+</p:sld>
+</file>
+
 <file path=ppt/theme/theme1.xml><?xml version="1.0" encoding="utf-8"?>
 <a:theme xmlns:a="http://schemas.openxmlformats.org/drawingml/2006/main" name="Office 테마">
   <a:themeElements>

--- a/마이리틀트립.pptx
+++ b/마이리틀트립.pptx
@@ -261,7 +261,7 @@
           <a:p>
             <a:fld id="{9377CAC9-DC6C-471A-9C21-B3E73A9C5D44}" type="datetimeFigureOut">
               <a:rPr lang="ko-KR" altLang="en-US" smtClean="0"/>
-              <a:t>2020-03-26</a:t>
+              <a:t>2020-03-27</a:t>
             </a:fld>
             <a:endParaRPr lang="ko-KR" altLang="en-US"/>
           </a:p>
@@ -459,7 +459,7 @@
           <a:p>
             <a:fld id="{9377CAC9-DC6C-471A-9C21-B3E73A9C5D44}" type="datetimeFigureOut">
               <a:rPr lang="ko-KR" altLang="en-US" smtClean="0"/>
-              <a:t>2020-03-26</a:t>
+              <a:t>2020-03-27</a:t>
             </a:fld>
             <a:endParaRPr lang="ko-KR" altLang="en-US"/>
           </a:p>
@@ -667,7 +667,7 @@
           <a:p>
             <a:fld id="{9377CAC9-DC6C-471A-9C21-B3E73A9C5D44}" type="datetimeFigureOut">
               <a:rPr lang="ko-KR" altLang="en-US" smtClean="0"/>
-              <a:t>2020-03-26</a:t>
+              <a:t>2020-03-27</a:t>
             </a:fld>
             <a:endParaRPr lang="ko-KR" altLang="en-US"/>
           </a:p>
@@ -865,7 +865,7 @@
           <a:p>
             <a:fld id="{9377CAC9-DC6C-471A-9C21-B3E73A9C5D44}" type="datetimeFigureOut">
               <a:rPr lang="ko-KR" altLang="en-US" smtClean="0"/>
-              <a:t>2020-03-26</a:t>
+              <a:t>2020-03-27</a:t>
             </a:fld>
             <a:endParaRPr lang="ko-KR" altLang="en-US"/>
           </a:p>
@@ -1140,7 +1140,7 @@
           <a:p>
             <a:fld id="{9377CAC9-DC6C-471A-9C21-B3E73A9C5D44}" type="datetimeFigureOut">
               <a:rPr lang="ko-KR" altLang="en-US" smtClean="0"/>
-              <a:t>2020-03-26</a:t>
+              <a:t>2020-03-27</a:t>
             </a:fld>
             <a:endParaRPr lang="ko-KR" altLang="en-US"/>
           </a:p>
@@ -1405,7 +1405,7 @@
           <a:p>
             <a:fld id="{9377CAC9-DC6C-471A-9C21-B3E73A9C5D44}" type="datetimeFigureOut">
               <a:rPr lang="ko-KR" altLang="en-US" smtClean="0"/>
-              <a:t>2020-03-26</a:t>
+              <a:t>2020-03-27</a:t>
             </a:fld>
             <a:endParaRPr lang="ko-KR" altLang="en-US"/>
           </a:p>
@@ -1817,7 +1817,7 @@
           <a:p>
             <a:fld id="{9377CAC9-DC6C-471A-9C21-B3E73A9C5D44}" type="datetimeFigureOut">
               <a:rPr lang="ko-KR" altLang="en-US" smtClean="0"/>
-              <a:t>2020-03-26</a:t>
+              <a:t>2020-03-27</a:t>
             </a:fld>
             <a:endParaRPr lang="ko-KR" altLang="en-US"/>
           </a:p>
@@ -1958,7 +1958,7 @@
           <a:p>
             <a:fld id="{9377CAC9-DC6C-471A-9C21-B3E73A9C5D44}" type="datetimeFigureOut">
               <a:rPr lang="ko-KR" altLang="en-US" smtClean="0"/>
-              <a:t>2020-03-26</a:t>
+              <a:t>2020-03-27</a:t>
             </a:fld>
             <a:endParaRPr lang="ko-KR" altLang="en-US"/>
           </a:p>
@@ -2071,7 +2071,7 @@
           <a:p>
             <a:fld id="{9377CAC9-DC6C-471A-9C21-B3E73A9C5D44}" type="datetimeFigureOut">
               <a:rPr lang="ko-KR" altLang="en-US" smtClean="0"/>
-              <a:t>2020-03-26</a:t>
+              <a:t>2020-03-27</a:t>
             </a:fld>
             <a:endParaRPr lang="ko-KR" altLang="en-US"/>
           </a:p>
@@ -2382,7 +2382,7 @@
           <a:p>
             <a:fld id="{9377CAC9-DC6C-471A-9C21-B3E73A9C5D44}" type="datetimeFigureOut">
               <a:rPr lang="ko-KR" altLang="en-US" smtClean="0"/>
-              <a:t>2020-03-26</a:t>
+              <a:t>2020-03-27</a:t>
             </a:fld>
             <a:endParaRPr lang="ko-KR" altLang="en-US"/>
           </a:p>
@@ -2670,7 +2670,7 @@
           <a:p>
             <a:fld id="{9377CAC9-DC6C-471A-9C21-B3E73A9C5D44}" type="datetimeFigureOut">
               <a:rPr lang="ko-KR" altLang="en-US" smtClean="0"/>
-              <a:t>2020-03-26</a:t>
+              <a:t>2020-03-27</a:t>
             </a:fld>
             <a:endParaRPr lang="ko-KR" altLang="en-US"/>
           </a:p>
@@ -2911,7 +2911,7 @@
           <a:p>
             <a:fld id="{9377CAC9-DC6C-471A-9C21-B3E73A9C5D44}" type="datetimeFigureOut">
               <a:rPr lang="ko-KR" altLang="en-US" smtClean="0"/>
-              <a:t>2020-03-26</a:t>
+              <a:t>2020-03-27</a:t>
             </a:fld>
             <a:endParaRPr lang="ko-KR" altLang="en-US"/>
           </a:p>

--- a/마이리틀트립.pptx
+++ b/마이리틀트립.pptx
@@ -4328,69 +4328,20 @@
       </p:grpSpPr>
       <p:sp>
         <p:nvSpPr>
-          <p:cNvPr id="3" name="직사각형 2">
-            <a:extLst>
-              <a:ext uri="{FF2B5EF4-FFF2-40B4-BE49-F238E27FC236}">
-                <a16:creationId xmlns:a16="http://schemas.microsoft.com/office/drawing/2014/main" id="{732D4CAC-8CE7-42BC-8D76-EED4D4A82307}"/>
-              </a:ext>
-            </a:extLst>
-          </p:cNvPr>
-          <p:cNvSpPr/>
+          <p:cNvPr id="50" name="TextBox 49">
+            <a:extLst>
+              <a:ext uri="{FF2B5EF4-FFF2-40B4-BE49-F238E27FC236}">
+                <a16:creationId xmlns:a16="http://schemas.microsoft.com/office/drawing/2014/main" id="{9E08D81C-8D98-4ED2-BFA8-9CCB1E59E5D4}"/>
+              </a:ext>
+            </a:extLst>
+          </p:cNvPr>
+          <p:cNvSpPr txBox="1"/>
           <p:nvPr/>
         </p:nvSpPr>
         <p:spPr>
           <a:xfrm>
-            <a:off x="1156447" y="909000"/>
-            <a:ext cx="2880000" cy="5040000"/>
-          </a:xfrm>
-          <a:prstGeom prst="rect">
-            <a:avLst/>
-          </a:prstGeom>
-          <a:solidFill>
-            <a:schemeClr val="accent1"/>
-          </a:solidFill>
-        </p:spPr>
-        <p:style>
-          <a:lnRef idx="2">
-            <a:schemeClr val="accent1">
-              <a:shade val="50000"/>
-            </a:schemeClr>
-          </a:lnRef>
-          <a:fillRef idx="1">
-            <a:schemeClr val="accent1"/>
-          </a:fillRef>
-          <a:effectRef idx="0">
-            <a:schemeClr val="accent1"/>
-          </a:effectRef>
-          <a:fontRef idx="minor">
-            <a:schemeClr val="lt1"/>
-          </a:fontRef>
-        </p:style>
-        <p:txBody>
-          <a:bodyPr rtlCol="0" anchor="ctr"/>
-          <a:lstStyle/>
-          <a:p>
-            <a:pPr algn="ctr"/>
-            <a:endParaRPr lang="ko-KR" altLang="en-US"/>
-          </a:p>
-        </p:txBody>
-      </p:sp>
-      <p:sp>
-        <p:nvSpPr>
-          <p:cNvPr id="10" name="TextBox 9">
-            <a:extLst>
-              <a:ext uri="{FF2B5EF4-FFF2-40B4-BE49-F238E27FC236}">
-                <a16:creationId xmlns:a16="http://schemas.microsoft.com/office/drawing/2014/main" id="{1952E716-5BCD-4645-BB49-12F5B806A2B3}"/>
-              </a:ext>
-            </a:extLst>
-          </p:cNvPr>
-          <p:cNvSpPr txBox="1"/>
-          <p:nvPr/>
-        </p:nvSpPr>
-        <p:spPr>
-          <a:xfrm>
-            <a:off x="2367055" y="5494643"/>
-            <a:ext cx="458780" cy="369332"/>
+            <a:off x="6256047" y="824674"/>
+            <a:ext cx="4844596" cy="4801314"/>
           </a:xfrm>
           <a:prstGeom prst="rect">
             <a:avLst/>
@@ -4404,27 +4355,267 @@
           <a:lstStyle/>
           <a:p>
             <a:r>
-              <a:rPr lang="en-US" altLang="ko-KR" dirty="0">
-                <a:solidFill>
-                  <a:schemeClr val="bg1"/>
-                </a:solidFill>
-              </a:rPr>
-              <a:t>…..</a:t>
-            </a:r>
-            <a:endParaRPr lang="ko-KR" altLang="en-US" dirty="0">
-              <a:solidFill>
-                <a:schemeClr val="bg1"/>
-              </a:solidFill>
-            </a:endParaRPr>
+              <a:rPr lang="en-US" altLang="ko-KR" b="1" dirty="0"/>
+              <a:t>1. </a:t>
+            </a:r>
+            <a:r>
+              <a:rPr lang="en-US" altLang="ko-KR" b="1" dirty="0" err="1"/>
+              <a:t>ViewModel</a:t>
+            </a:r>
+            <a:r>
+              <a:rPr lang="en-US" altLang="ko-KR" b="1" dirty="0"/>
+              <a:t> </a:t>
+            </a:r>
+            <a:r>
+              <a:rPr lang="ko-KR" altLang="en-US" b="1" dirty="0"/>
+              <a:t>기능</a:t>
+            </a:r>
+            <a:endParaRPr lang="en-US" altLang="ko-KR" b="1" dirty="0"/>
+          </a:p>
+          <a:p>
+            <a:pPr marL="285750" indent="-285750">
+              <a:buFontTx/>
+              <a:buChar char="-"/>
+            </a:pPr>
+            <a:r>
+              <a:rPr lang="en-US" altLang="ko-KR" dirty="0"/>
+              <a:t>RSS Data </a:t>
+            </a:r>
+            <a:r>
+              <a:rPr lang="ko-KR" altLang="en-US" dirty="0"/>
+              <a:t>객체 </a:t>
+            </a:r>
+            <a:r>
+              <a:rPr lang="en-US" altLang="ko-KR" dirty="0"/>
+              <a:t>View</a:t>
+            </a:r>
+            <a:r>
+              <a:rPr lang="ko-KR" altLang="en-US" dirty="0"/>
+              <a:t>로 전달</a:t>
+            </a:r>
+            <a:endParaRPr lang="en-US" altLang="ko-KR" dirty="0"/>
+          </a:p>
+          <a:p>
+            <a:pPr marL="285750" indent="-285750">
+              <a:buFontTx/>
+              <a:buChar char="-"/>
+            </a:pPr>
+            <a:r>
+              <a:rPr lang="en-US" altLang="ko-KR" dirty="0"/>
+              <a:t>News Data </a:t>
+            </a:r>
+            <a:r>
+              <a:rPr lang="ko-KR" altLang="en-US" dirty="0"/>
+              <a:t>객체 </a:t>
+            </a:r>
+            <a:r>
+              <a:rPr lang="en-US" altLang="ko-KR" dirty="0"/>
+              <a:t>View</a:t>
+            </a:r>
+            <a:r>
+              <a:rPr lang="ko-KR" altLang="en-US" dirty="0"/>
+              <a:t>로 전달</a:t>
+            </a:r>
+            <a:endParaRPr lang="en-US" altLang="ko-KR" dirty="0"/>
+          </a:p>
+          <a:p>
+            <a:pPr marL="342900" indent="-342900">
+              <a:buAutoNum type="arabicPeriod"/>
+            </a:pPr>
+            <a:endParaRPr lang="en-US" altLang="ko-KR" dirty="0"/>
+          </a:p>
+          <a:p>
+            <a:r>
+              <a:rPr lang="en-US" altLang="ko-KR" b="1" dirty="0"/>
+              <a:t>2. View </a:t>
+            </a:r>
+            <a:r>
+              <a:rPr lang="ko-KR" altLang="en-US" b="1" dirty="0"/>
+              <a:t>기능</a:t>
+            </a:r>
+            <a:endParaRPr lang="en-US" altLang="ko-KR" b="1" dirty="0"/>
+          </a:p>
+          <a:p>
+            <a:pPr marL="285750" indent="-285750">
+              <a:buFontTx/>
+              <a:buChar char="-"/>
+            </a:pPr>
+            <a:r>
+              <a:rPr lang="en-US" altLang="ko-KR" dirty="0"/>
+              <a:t>Progress Bar </a:t>
+            </a:r>
+            <a:r>
+              <a:rPr lang="ko-KR" altLang="en-US" dirty="0"/>
+              <a:t>보여줌</a:t>
+            </a:r>
+            <a:endParaRPr lang="en-US" altLang="ko-KR" dirty="0"/>
+          </a:p>
+          <a:p>
+            <a:pPr marL="285750" indent="-285750">
+              <a:buFontTx/>
+              <a:buChar char="-"/>
+            </a:pPr>
+            <a:r>
+              <a:rPr lang="en-US" altLang="ko-KR" dirty="0" err="1"/>
+              <a:t>RecyclerView</a:t>
+            </a:r>
+            <a:r>
+              <a:rPr lang="ko-KR" altLang="en-US" dirty="0"/>
+              <a:t>로</a:t>
+            </a:r>
+            <a:r>
+              <a:rPr lang="en-US" altLang="ko-KR" dirty="0"/>
+              <a:t> News </a:t>
+            </a:r>
+            <a:r>
+              <a:rPr lang="ko-KR" altLang="en-US" dirty="0"/>
+              <a:t>객체 보여줌</a:t>
+            </a:r>
+            <a:endParaRPr lang="en-US" altLang="ko-KR" dirty="0"/>
+          </a:p>
+          <a:p>
+            <a:pPr marL="285750" indent="-285750">
+              <a:buFontTx/>
+              <a:buChar char="-"/>
+            </a:pPr>
+            <a:r>
+              <a:rPr lang="en-US" altLang="ko-KR" dirty="0"/>
+              <a:t>Error </a:t>
+            </a:r>
+            <a:r>
+              <a:rPr lang="ko-KR" altLang="en-US" dirty="0"/>
+              <a:t>메시지 보여줌</a:t>
+            </a:r>
+            <a:endParaRPr lang="en-US" altLang="ko-KR" dirty="0"/>
+          </a:p>
+          <a:p>
+            <a:pPr marL="285750" indent="-285750">
+              <a:buFontTx/>
+              <a:buChar char="-"/>
+            </a:pPr>
+            <a:r>
+              <a:rPr lang="ko-KR" altLang="en-US" dirty="0"/>
+              <a:t>화면 </a:t>
+            </a:r>
+            <a:r>
+              <a:rPr lang="ko-KR" altLang="en-US" dirty="0" err="1"/>
+              <a:t>새로고침</a:t>
+            </a:r>
+            <a:r>
+              <a:rPr lang="ko-KR" altLang="en-US" dirty="0"/>
+              <a:t> </a:t>
+            </a:r>
+            <a:endParaRPr lang="en-US" altLang="ko-KR" dirty="0"/>
+          </a:p>
+          <a:p>
+            <a:endParaRPr lang="en-US" altLang="ko-KR" dirty="0"/>
+          </a:p>
+          <a:p>
+            <a:r>
+              <a:rPr lang="en-US" altLang="ko-KR" b="1" dirty="0"/>
+              <a:t>3. Model </a:t>
+            </a:r>
+            <a:r>
+              <a:rPr lang="ko-KR" altLang="en-US" b="1" dirty="0"/>
+              <a:t>기능</a:t>
+            </a:r>
+            <a:endParaRPr lang="en-US" altLang="ko-KR" b="1" dirty="0"/>
+          </a:p>
+          <a:p>
+            <a:pPr marL="285750" indent="-285750">
+              <a:buFontTx/>
+              <a:buChar char="-"/>
+            </a:pPr>
+            <a:r>
+              <a:rPr lang="en-US" altLang="ko-KR" dirty="0"/>
+              <a:t>RSS </a:t>
+            </a:r>
+            <a:r>
+              <a:rPr lang="ko-KR" altLang="en-US" dirty="0"/>
+              <a:t>가져오기</a:t>
+            </a:r>
+            <a:endParaRPr lang="en-US" altLang="ko-KR" dirty="0"/>
+          </a:p>
+          <a:p>
+            <a:pPr marL="285750" indent="-285750">
+              <a:buFontTx/>
+              <a:buChar char="-"/>
+            </a:pPr>
+            <a:r>
+              <a:rPr lang="en-US" altLang="ko-KR" dirty="0"/>
+              <a:t>News </a:t>
+            </a:r>
+            <a:r>
+              <a:rPr lang="ko-KR" altLang="en-US" dirty="0"/>
+              <a:t>본문 분석하기</a:t>
+            </a:r>
+            <a:r>
+              <a:rPr lang="en-US" altLang="ko-KR" dirty="0"/>
+              <a:t>(</a:t>
+            </a:r>
+            <a:r>
+              <a:rPr lang="ko-KR" altLang="en-US" dirty="0"/>
+              <a:t>내용</a:t>
+            </a:r>
+            <a:r>
+              <a:rPr lang="en-US" altLang="ko-KR" dirty="0"/>
+              <a:t>, </a:t>
+            </a:r>
+            <a:r>
+              <a:rPr lang="ko-KR" altLang="en-US" dirty="0"/>
+              <a:t>이미지</a:t>
+            </a:r>
+            <a:r>
+              <a:rPr lang="en-US" altLang="ko-KR" dirty="0"/>
+              <a:t>, </a:t>
+            </a:r>
+            <a:r>
+              <a:rPr lang="ko-KR" altLang="en-US" dirty="0"/>
+              <a:t>키워드</a:t>
+            </a:r>
+            <a:r>
+              <a:rPr lang="en-US" altLang="ko-KR" dirty="0"/>
+              <a:t>)</a:t>
+            </a:r>
+          </a:p>
+          <a:p>
+            <a:pPr marL="285750" indent="-285750">
+              <a:buFontTx/>
+              <a:buChar char="-"/>
+            </a:pPr>
+            <a:r>
+              <a:rPr lang="en-US" altLang="ko-KR" dirty="0"/>
+              <a:t>News </a:t>
+            </a:r>
+            <a:r>
+              <a:rPr lang="ko-KR" altLang="en-US" dirty="0"/>
+              <a:t>가져오기</a:t>
+            </a:r>
+            <a:endParaRPr lang="en-US" altLang="ko-KR" dirty="0"/>
+          </a:p>
+          <a:p>
+            <a:endParaRPr lang="en-US" altLang="ko-KR" dirty="0"/>
+          </a:p>
+          <a:p>
+            <a:pPr marL="342900" indent="-342900">
+              <a:buAutoNum type="arabicPeriod"/>
+            </a:pPr>
+            <a:endParaRPr lang="en-US" altLang="ko-KR" dirty="0"/>
+          </a:p>
+          <a:p>
+            <a:pPr marL="342900" indent="-342900">
+              <a:buAutoNum type="arabicPeriod"/>
+            </a:pPr>
+            <a:endParaRPr lang="ko-KR" altLang="en-US" dirty="0"/>
           </a:p>
         </p:txBody>
       </p:sp>
       <p:grpSp>
         <p:nvGrpSpPr>
-          <p:cNvPr id="31" name="그룹 30">
-            <a:extLst>
-              <a:ext uri="{FF2B5EF4-FFF2-40B4-BE49-F238E27FC236}">
-                <a16:creationId xmlns:a16="http://schemas.microsoft.com/office/drawing/2014/main" id="{53810980-9891-41A9-929B-6C6F2063B6A4}"/>
+          <p:cNvPr id="4" name="그룹 3">
+            <a:extLst>
+              <a:ext uri="{FF2B5EF4-FFF2-40B4-BE49-F238E27FC236}">
+                <a16:creationId xmlns:a16="http://schemas.microsoft.com/office/drawing/2014/main" id="{3DCBFD79-4F6E-4D87-894F-CED71CB9AE55}"/>
               </a:ext>
             </a:extLst>
           </p:cNvPr>
@@ -4433,18 +4624,18 @@
         </p:nvGrpSpPr>
         <p:grpSpPr>
           <a:xfrm>
-            <a:off x="1269668" y="994025"/>
-            <a:ext cx="2653553" cy="1062234"/>
-            <a:chOff x="1269668" y="994025"/>
-            <a:chExt cx="2653553" cy="1062234"/>
+            <a:off x="2278665" y="656559"/>
+            <a:ext cx="2880000" cy="5544881"/>
+            <a:chOff x="1156447" y="909000"/>
+            <a:chExt cx="2880000" cy="5544881"/>
           </a:xfrm>
         </p:grpSpPr>
         <p:sp>
           <p:nvSpPr>
-            <p:cNvPr id="5" name="직사각형 4">
+            <p:cNvPr id="3" name="직사각형 2">
               <a:extLst>
                 <a:ext uri="{FF2B5EF4-FFF2-40B4-BE49-F238E27FC236}">
-                  <a16:creationId xmlns:a16="http://schemas.microsoft.com/office/drawing/2014/main" id="{0DF3FE97-A75D-4681-8C29-76BC8B08C7F9}"/>
+                  <a16:creationId xmlns:a16="http://schemas.microsoft.com/office/drawing/2014/main" id="{732D4CAC-8CE7-42BC-8D76-EED4D4A82307}"/>
                 </a:ext>
               </a:extLst>
             </p:cNvPr>
@@ -4453,21 +4644,15 @@
           </p:nvSpPr>
           <p:spPr>
             <a:xfrm>
-              <a:off x="1269668" y="994025"/>
-              <a:ext cx="2653553" cy="1062234"/>
+              <a:off x="1156447" y="909000"/>
+              <a:ext cx="2880000" cy="5040000"/>
             </a:xfrm>
             <a:prstGeom prst="rect">
               <a:avLst/>
             </a:prstGeom>
             <a:solidFill>
-              <a:schemeClr val="accent1">
-                <a:lumMod val="60000"/>
-                <a:lumOff val="40000"/>
-              </a:schemeClr>
+              <a:schemeClr val="accent1"/>
             </a:solidFill>
-            <a:ln>
-              <a:noFill/>
-            </a:ln>
           </p:spPr>
           <p:style>
             <a:lnRef idx="2">
@@ -4496,1345 +4681,1307 @@
         </p:sp>
         <p:sp>
           <p:nvSpPr>
-            <p:cNvPr id="11" name="직사각형 10">
+            <p:cNvPr id="10" name="TextBox 9">
               <a:extLst>
                 <a:ext uri="{FF2B5EF4-FFF2-40B4-BE49-F238E27FC236}">
-                  <a16:creationId xmlns:a16="http://schemas.microsoft.com/office/drawing/2014/main" id="{887DF64D-98A1-4681-A359-E4350F25BF9E}"/>
+                  <a16:creationId xmlns:a16="http://schemas.microsoft.com/office/drawing/2014/main" id="{1952E716-5BCD-4645-BB49-12F5B806A2B3}"/>
                 </a:ext>
               </a:extLst>
             </p:cNvPr>
-            <p:cNvSpPr/>
+            <p:cNvSpPr txBox="1"/>
             <p:nvPr/>
           </p:nvSpPr>
           <p:spPr>
             <a:xfrm>
-              <a:off x="1337088" y="1059807"/>
-              <a:ext cx="902221" cy="934000"/>
+              <a:off x="2367055" y="5494643"/>
+              <a:ext cx="458780" cy="369332"/>
             </a:xfrm>
             <a:prstGeom prst="rect">
               <a:avLst/>
             </a:prstGeom>
-            <a:solidFill>
-              <a:schemeClr val="accent4">
-                <a:lumMod val="60000"/>
-                <a:lumOff val="40000"/>
-              </a:schemeClr>
-            </a:solidFill>
-            <a:ln>
-              <a:noFill/>
-            </a:ln>
+            <a:noFill/>
           </p:spPr>
-          <p:style>
-            <a:lnRef idx="2">
-              <a:schemeClr val="accent1">
-                <a:shade val="50000"/>
-              </a:schemeClr>
-            </a:lnRef>
-            <a:fillRef idx="1">
-              <a:schemeClr val="accent1"/>
-            </a:fillRef>
-            <a:effectRef idx="0">
-              <a:schemeClr val="accent1"/>
-            </a:effectRef>
-            <a:fontRef idx="minor">
-              <a:schemeClr val="lt1"/>
-            </a:fontRef>
-          </p:style>
           <p:txBody>
-            <a:bodyPr rtlCol="0" anchor="ctr"/>
+            <a:bodyPr wrap="none" rtlCol="0">
+              <a:spAutoFit/>
+            </a:bodyPr>
             <a:lstStyle/>
             <a:p>
-              <a:pPr algn="ctr"/>
               <a:r>
-                <a:rPr lang="ko-KR" altLang="en-US" dirty="0"/>
-                <a:t>사진</a:t>
+                <a:rPr lang="en-US" altLang="ko-KR" dirty="0">
+                  <a:solidFill>
+                    <a:schemeClr val="bg1"/>
+                  </a:solidFill>
+                </a:rPr>
+                <a:t>…..</a:t>
               </a:r>
+              <a:endParaRPr lang="ko-KR" altLang="en-US" dirty="0">
+                <a:solidFill>
+                  <a:schemeClr val="bg1"/>
+                </a:solidFill>
+              </a:endParaRPr>
             </a:p>
           </p:txBody>
         </p:sp>
-        <p:sp>
-          <p:nvSpPr>
-            <p:cNvPr id="12" name="직사각형 11">
+        <p:grpSp>
+          <p:nvGrpSpPr>
+            <p:cNvPr id="31" name="그룹 30">
               <a:extLst>
                 <a:ext uri="{FF2B5EF4-FFF2-40B4-BE49-F238E27FC236}">
-                  <a16:creationId xmlns:a16="http://schemas.microsoft.com/office/drawing/2014/main" id="{5BD00A87-4493-493D-9606-2DFC6AE1080E}"/>
+                  <a16:creationId xmlns:a16="http://schemas.microsoft.com/office/drawing/2014/main" id="{53810980-9891-41A9-929B-6C6F2063B6A4}"/>
                 </a:ext>
               </a:extLst>
             </p:cNvPr>
-            <p:cNvSpPr/>
+            <p:cNvGrpSpPr/>
+            <p:nvPr/>
+          </p:nvGrpSpPr>
+          <p:grpSpPr>
+            <a:xfrm>
+              <a:off x="1269668" y="994025"/>
+              <a:ext cx="2653553" cy="1062234"/>
+              <a:chOff x="1269668" y="994025"/>
+              <a:chExt cx="2653553" cy="1062234"/>
+            </a:xfrm>
+          </p:grpSpPr>
+          <p:sp>
+            <p:nvSpPr>
+              <p:cNvPr id="5" name="직사각형 4">
+                <a:extLst>
+                  <a:ext uri="{FF2B5EF4-FFF2-40B4-BE49-F238E27FC236}">
+                    <a16:creationId xmlns:a16="http://schemas.microsoft.com/office/drawing/2014/main" id="{0DF3FE97-A75D-4681-8C29-76BC8B08C7F9}"/>
+                  </a:ext>
+                </a:extLst>
+              </p:cNvPr>
+              <p:cNvSpPr/>
+              <p:nvPr/>
+            </p:nvSpPr>
+            <p:spPr>
+              <a:xfrm>
+                <a:off x="1269668" y="994025"/>
+                <a:ext cx="2653553" cy="1062234"/>
+              </a:xfrm>
+              <a:prstGeom prst="rect">
+                <a:avLst/>
+              </a:prstGeom>
+              <a:solidFill>
+                <a:schemeClr val="accent1">
+                  <a:lumMod val="60000"/>
+                  <a:lumOff val="40000"/>
+                </a:schemeClr>
+              </a:solidFill>
+              <a:ln>
+                <a:noFill/>
+              </a:ln>
+            </p:spPr>
+            <p:style>
+              <a:lnRef idx="2">
+                <a:schemeClr val="accent1">
+                  <a:shade val="50000"/>
+                </a:schemeClr>
+              </a:lnRef>
+              <a:fillRef idx="1">
+                <a:schemeClr val="accent1"/>
+              </a:fillRef>
+              <a:effectRef idx="0">
+                <a:schemeClr val="accent1"/>
+              </a:effectRef>
+              <a:fontRef idx="minor">
+                <a:schemeClr val="lt1"/>
+              </a:fontRef>
+            </p:style>
+            <p:txBody>
+              <a:bodyPr rtlCol="0" anchor="ctr"/>
+              <a:lstStyle/>
+              <a:p>
+                <a:pPr algn="ctr"/>
+                <a:endParaRPr lang="ko-KR" altLang="en-US"/>
+              </a:p>
+            </p:txBody>
+          </p:sp>
+          <p:sp>
+            <p:nvSpPr>
+              <p:cNvPr id="11" name="직사각형 10">
+                <a:extLst>
+                  <a:ext uri="{FF2B5EF4-FFF2-40B4-BE49-F238E27FC236}">
+                    <a16:creationId xmlns:a16="http://schemas.microsoft.com/office/drawing/2014/main" id="{887DF64D-98A1-4681-A359-E4350F25BF9E}"/>
+                  </a:ext>
+                </a:extLst>
+              </p:cNvPr>
+              <p:cNvSpPr/>
+              <p:nvPr/>
+            </p:nvSpPr>
+            <p:spPr>
+              <a:xfrm>
+                <a:off x="1337088" y="1059807"/>
+                <a:ext cx="902221" cy="934000"/>
+              </a:xfrm>
+              <a:prstGeom prst="rect">
+                <a:avLst/>
+              </a:prstGeom>
+              <a:solidFill>
+                <a:schemeClr val="accent4">
+                  <a:lumMod val="60000"/>
+                  <a:lumOff val="40000"/>
+                </a:schemeClr>
+              </a:solidFill>
+              <a:ln>
+                <a:noFill/>
+              </a:ln>
+            </p:spPr>
+            <p:style>
+              <a:lnRef idx="2">
+                <a:schemeClr val="accent1">
+                  <a:shade val="50000"/>
+                </a:schemeClr>
+              </a:lnRef>
+              <a:fillRef idx="1">
+                <a:schemeClr val="accent1"/>
+              </a:fillRef>
+              <a:effectRef idx="0">
+                <a:schemeClr val="accent1"/>
+              </a:effectRef>
+              <a:fontRef idx="minor">
+                <a:schemeClr val="lt1"/>
+              </a:fontRef>
+            </p:style>
+            <p:txBody>
+              <a:bodyPr rtlCol="0" anchor="ctr"/>
+              <a:lstStyle/>
+              <a:p>
+                <a:pPr algn="ctr"/>
+                <a:r>
+                  <a:rPr lang="ko-KR" altLang="en-US" dirty="0"/>
+                  <a:t>사진</a:t>
+                </a:r>
+              </a:p>
+            </p:txBody>
+          </p:sp>
+          <p:sp>
+            <p:nvSpPr>
+              <p:cNvPr id="12" name="직사각형 11">
+                <a:extLst>
+                  <a:ext uri="{FF2B5EF4-FFF2-40B4-BE49-F238E27FC236}">
+                    <a16:creationId xmlns:a16="http://schemas.microsoft.com/office/drawing/2014/main" id="{5BD00A87-4493-493D-9606-2DFC6AE1080E}"/>
+                  </a:ext>
+                </a:extLst>
+              </p:cNvPr>
+              <p:cNvSpPr/>
+              <p:nvPr/>
+            </p:nvSpPr>
+            <p:spPr>
+              <a:xfrm>
+                <a:off x="2306729" y="1077115"/>
+                <a:ext cx="1510073" cy="154072"/>
+              </a:xfrm>
+              <a:prstGeom prst="rect">
+                <a:avLst/>
+              </a:prstGeom>
+              <a:solidFill>
+                <a:srgbClr val="7030A0"/>
+              </a:solidFill>
+              <a:ln>
+                <a:noFill/>
+              </a:ln>
+            </p:spPr>
+            <p:style>
+              <a:lnRef idx="2">
+                <a:schemeClr val="accent1">
+                  <a:shade val="50000"/>
+                </a:schemeClr>
+              </a:lnRef>
+              <a:fillRef idx="1">
+                <a:schemeClr val="accent1"/>
+              </a:fillRef>
+              <a:effectRef idx="0">
+                <a:schemeClr val="accent1"/>
+              </a:effectRef>
+              <a:fontRef idx="minor">
+                <a:schemeClr val="lt1"/>
+              </a:fontRef>
+            </p:style>
+            <p:txBody>
+              <a:bodyPr rtlCol="0" anchor="ctr"/>
+              <a:lstStyle/>
+              <a:p>
+                <a:pPr algn="ctr"/>
+                <a:r>
+                  <a:rPr lang="ko-KR" altLang="en-US" sz="1100" dirty="0"/>
+                  <a:t>뉴스 제목</a:t>
+                </a:r>
+              </a:p>
+            </p:txBody>
+          </p:sp>
+          <p:sp>
+            <p:nvSpPr>
+              <p:cNvPr id="13" name="직사각형 12">
+                <a:extLst>
+                  <a:ext uri="{FF2B5EF4-FFF2-40B4-BE49-F238E27FC236}">
+                    <a16:creationId xmlns:a16="http://schemas.microsoft.com/office/drawing/2014/main" id="{B7F4C487-A288-4502-87DE-0DEECC1396E3}"/>
+                  </a:ext>
+                </a:extLst>
+              </p:cNvPr>
+              <p:cNvSpPr/>
+              <p:nvPr/>
+            </p:nvSpPr>
+            <p:spPr>
+              <a:xfrm>
+                <a:off x="2310050" y="1314240"/>
+                <a:ext cx="1510073" cy="440470"/>
+              </a:xfrm>
+              <a:prstGeom prst="rect">
+                <a:avLst/>
+              </a:prstGeom>
+              <a:solidFill>
+                <a:schemeClr val="accent6">
+                  <a:lumMod val="60000"/>
+                  <a:lumOff val="40000"/>
+                </a:schemeClr>
+              </a:solidFill>
+              <a:ln>
+                <a:noFill/>
+              </a:ln>
+            </p:spPr>
+            <p:style>
+              <a:lnRef idx="2">
+                <a:schemeClr val="accent1">
+                  <a:shade val="50000"/>
+                </a:schemeClr>
+              </a:lnRef>
+              <a:fillRef idx="1">
+                <a:schemeClr val="accent1"/>
+              </a:fillRef>
+              <a:effectRef idx="0">
+                <a:schemeClr val="accent1"/>
+              </a:effectRef>
+              <a:fontRef idx="minor">
+                <a:schemeClr val="lt1"/>
+              </a:fontRef>
+            </p:style>
+            <p:txBody>
+              <a:bodyPr rtlCol="0" anchor="ctr"/>
+              <a:lstStyle/>
+              <a:p>
+                <a:pPr algn="ctr"/>
+                <a:r>
+                  <a:rPr lang="ko-KR" altLang="en-US" dirty="0"/>
+                  <a:t>뉴스 내용</a:t>
+                </a:r>
+              </a:p>
+            </p:txBody>
+          </p:sp>
+          <p:sp>
+            <p:nvSpPr>
+              <p:cNvPr id="30" name="직사각형 29">
+                <a:extLst>
+                  <a:ext uri="{FF2B5EF4-FFF2-40B4-BE49-F238E27FC236}">
+                    <a16:creationId xmlns:a16="http://schemas.microsoft.com/office/drawing/2014/main" id="{289A7080-2E5A-4A64-A55F-59BED0D5EA92}"/>
+                  </a:ext>
+                </a:extLst>
+              </p:cNvPr>
+              <p:cNvSpPr/>
+              <p:nvPr/>
+            </p:nvSpPr>
+            <p:spPr>
+              <a:xfrm>
+                <a:off x="2310050" y="1839735"/>
+                <a:ext cx="1510073" cy="154072"/>
+              </a:xfrm>
+              <a:prstGeom prst="rect">
+                <a:avLst/>
+              </a:prstGeom>
+              <a:solidFill>
+                <a:schemeClr val="accent2">
+                  <a:lumMod val="40000"/>
+                  <a:lumOff val="60000"/>
+                </a:schemeClr>
+              </a:solidFill>
+              <a:ln>
+                <a:noFill/>
+              </a:ln>
+            </p:spPr>
+            <p:style>
+              <a:lnRef idx="2">
+                <a:schemeClr val="accent1">
+                  <a:shade val="50000"/>
+                </a:schemeClr>
+              </a:lnRef>
+              <a:fillRef idx="1">
+                <a:schemeClr val="accent1"/>
+              </a:fillRef>
+              <a:effectRef idx="0">
+                <a:schemeClr val="accent1"/>
+              </a:effectRef>
+              <a:fontRef idx="minor">
+                <a:schemeClr val="lt1"/>
+              </a:fontRef>
+            </p:style>
+            <p:txBody>
+              <a:bodyPr rtlCol="0" anchor="ctr"/>
+              <a:lstStyle/>
+              <a:p>
+                <a:pPr algn="ctr"/>
+                <a:r>
+                  <a:rPr lang="ko-KR" altLang="en-US" sz="1100" dirty="0"/>
+                  <a:t>키워드</a:t>
+                </a:r>
+              </a:p>
+            </p:txBody>
+          </p:sp>
+        </p:grpSp>
+        <p:grpSp>
+          <p:nvGrpSpPr>
+            <p:cNvPr id="32" name="그룹 31">
+              <a:extLst>
+                <a:ext uri="{FF2B5EF4-FFF2-40B4-BE49-F238E27FC236}">
+                  <a16:creationId xmlns:a16="http://schemas.microsoft.com/office/drawing/2014/main" id="{F32E90AB-B657-48C4-9315-938B4A4514F1}"/>
+                </a:ext>
+              </a:extLst>
+            </p:cNvPr>
+            <p:cNvGrpSpPr/>
+            <p:nvPr/>
+          </p:nvGrpSpPr>
+          <p:grpSpPr>
+            <a:xfrm>
+              <a:off x="1269668" y="2139588"/>
+              <a:ext cx="2653553" cy="1062234"/>
+              <a:chOff x="1269668" y="994025"/>
+              <a:chExt cx="2653553" cy="1062234"/>
+            </a:xfrm>
+          </p:grpSpPr>
+          <p:sp>
+            <p:nvSpPr>
+              <p:cNvPr id="33" name="직사각형 32">
+                <a:extLst>
+                  <a:ext uri="{FF2B5EF4-FFF2-40B4-BE49-F238E27FC236}">
+                    <a16:creationId xmlns:a16="http://schemas.microsoft.com/office/drawing/2014/main" id="{F1F16D50-4C75-4480-B24D-40181AC27C65}"/>
+                  </a:ext>
+                </a:extLst>
+              </p:cNvPr>
+              <p:cNvSpPr/>
+              <p:nvPr/>
+            </p:nvSpPr>
+            <p:spPr>
+              <a:xfrm>
+                <a:off x="1269668" y="994025"/>
+                <a:ext cx="2653553" cy="1062234"/>
+              </a:xfrm>
+              <a:prstGeom prst="rect">
+                <a:avLst/>
+              </a:prstGeom>
+              <a:solidFill>
+                <a:schemeClr val="accent1">
+                  <a:lumMod val="60000"/>
+                  <a:lumOff val="40000"/>
+                </a:schemeClr>
+              </a:solidFill>
+              <a:ln>
+                <a:noFill/>
+              </a:ln>
+            </p:spPr>
+            <p:style>
+              <a:lnRef idx="2">
+                <a:schemeClr val="accent1">
+                  <a:shade val="50000"/>
+                </a:schemeClr>
+              </a:lnRef>
+              <a:fillRef idx="1">
+                <a:schemeClr val="accent1"/>
+              </a:fillRef>
+              <a:effectRef idx="0">
+                <a:schemeClr val="accent1"/>
+              </a:effectRef>
+              <a:fontRef idx="minor">
+                <a:schemeClr val="lt1"/>
+              </a:fontRef>
+            </p:style>
+            <p:txBody>
+              <a:bodyPr rtlCol="0" anchor="ctr"/>
+              <a:lstStyle/>
+              <a:p>
+                <a:pPr algn="ctr"/>
+                <a:endParaRPr lang="ko-KR" altLang="en-US"/>
+              </a:p>
+            </p:txBody>
+          </p:sp>
+          <p:sp>
+            <p:nvSpPr>
+              <p:cNvPr id="34" name="직사각형 33">
+                <a:extLst>
+                  <a:ext uri="{FF2B5EF4-FFF2-40B4-BE49-F238E27FC236}">
+                    <a16:creationId xmlns:a16="http://schemas.microsoft.com/office/drawing/2014/main" id="{375AF0AE-1236-4FF4-822D-FE439BF72818}"/>
+                  </a:ext>
+                </a:extLst>
+              </p:cNvPr>
+              <p:cNvSpPr/>
+              <p:nvPr/>
+            </p:nvSpPr>
+            <p:spPr>
+              <a:xfrm>
+                <a:off x="1337088" y="1059807"/>
+                <a:ext cx="902221" cy="934000"/>
+              </a:xfrm>
+              <a:prstGeom prst="rect">
+                <a:avLst/>
+              </a:prstGeom>
+              <a:solidFill>
+                <a:schemeClr val="accent4">
+                  <a:lumMod val="60000"/>
+                  <a:lumOff val="40000"/>
+                </a:schemeClr>
+              </a:solidFill>
+              <a:ln>
+                <a:noFill/>
+              </a:ln>
+            </p:spPr>
+            <p:style>
+              <a:lnRef idx="2">
+                <a:schemeClr val="accent1">
+                  <a:shade val="50000"/>
+                </a:schemeClr>
+              </a:lnRef>
+              <a:fillRef idx="1">
+                <a:schemeClr val="accent1"/>
+              </a:fillRef>
+              <a:effectRef idx="0">
+                <a:schemeClr val="accent1"/>
+              </a:effectRef>
+              <a:fontRef idx="minor">
+                <a:schemeClr val="lt1"/>
+              </a:fontRef>
+            </p:style>
+            <p:txBody>
+              <a:bodyPr rtlCol="0" anchor="ctr"/>
+              <a:lstStyle/>
+              <a:p>
+                <a:pPr algn="ctr"/>
+                <a:r>
+                  <a:rPr lang="ko-KR" altLang="en-US" dirty="0"/>
+                  <a:t>사진</a:t>
+                </a:r>
+              </a:p>
+            </p:txBody>
+          </p:sp>
+          <p:sp>
+            <p:nvSpPr>
+              <p:cNvPr id="35" name="직사각형 34">
+                <a:extLst>
+                  <a:ext uri="{FF2B5EF4-FFF2-40B4-BE49-F238E27FC236}">
+                    <a16:creationId xmlns:a16="http://schemas.microsoft.com/office/drawing/2014/main" id="{8C594C17-67D6-4E70-99C5-FAB4C9BF4E20}"/>
+                  </a:ext>
+                </a:extLst>
+              </p:cNvPr>
+              <p:cNvSpPr/>
+              <p:nvPr/>
+            </p:nvSpPr>
+            <p:spPr>
+              <a:xfrm>
+                <a:off x="2306729" y="1077115"/>
+                <a:ext cx="1510073" cy="154072"/>
+              </a:xfrm>
+              <a:prstGeom prst="rect">
+                <a:avLst/>
+              </a:prstGeom>
+              <a:solidFill>
+                <a:srgbClr val="7030A0"/>
+              </a:solidFill>
+              <a:ln>
+                <a:noFill/>
+              </a:ln>
+            </p:spPr>
+            <p:style>
+              <a:lnRef idx="2">
+                <a:schemeClr val="accent1">
+                  <a:shade val="50000"/>
+                </a:schemeClr>
+              </a:lnRef>
+              <a:fillRef idx="1">
+                <a:schemeClr val="accent1"/>
+              </a:fillRef>
+              <a:effectRef idx="0">
+                <a:schemeClr val="accent1"/>
+              </a:effectRef>
+              <a:fontRef idx="minor">
+                <a:schemeClr val="lt1"/>
+              </a:fontRef>
+            </p:style>
+            <p:txBody>
+              <a:bodyPr rtlCol="0" anchor="ctr"/>
+              <a:lstStyle/>
+              <a:p>
+                <a:pPr algn="ctr"/>
+                <a:r>
+                  <a:rPr lang="ko-KR" altLang="en-US" sz="1100" dirty="0"/>
+                  <a:t>뉴스 제목</a:t>
+                </a:r>
+              </a:p>
+            </p:txBody>
+          </p:sp>
+          <p:sp>
+            <p:nvSpPr>
+              <p:cNvPr id="36" name="직사각형 35">
+                <a:extLst>
+                  <a:ext uri="{FF2B5EF4-FFF2-40B4-BE49-F238E27FC236}">
+                    <a16:creationId xmlns:a16="http://schemas.microsoft.com/office/drawing/2014/main" id="{047C134A-8C04-45C3-BF16-289616B8797B}"/>
+                  </a:ext>
+                </a:extLst>
+              </p:cNvPr>
+              <p:cNvSpPr/>
+              <p:nvPr/>
+            </p:nvSpPr>
+            <p:spPr>
+              <a:xfrm>
+                <a:off x="2310050" y="1314240"/>
+                <a:ext cx="1510073" cy="440470"/>
+              </a:xfrm>
+              <a:prstGeom prst="rect">
+                <a:avLst/>
+              </a:prstGeom>
+              <a:solidFill>
+                <a:schemeClr val="accent6">
+                  <a:lumMod val="60000"/>
+                  <a:lumOff val="40000"/>
+                </a:schemeClr>
+              </a:solidFill>
+              <a:ln>
+                <a:noFill/>
+              </a:ln>
+            </p:spPr>
+            <p:style>
+              <a:lnRef idx="2">
+                <a:schemeClr val="accent1">
+                  <a:shade val="50000"/>
+                </a:schemeClr>
+              </a:lnRef>
+              <a:fillRef idx="1">
+                <a:schemeClr val="accent1"/>
+              </a:fillRef>
+              <a:effectRef idx="0">
+                <a:schemeClr val="accent1"/>
+              </a:effectRef>
+              <a:fontRef idx="minor">
+                <a:schemeClr val="lt1"/>
+              </a:fontRef>
+            </p:style>
+            <p:txBody>
+              <a:bodyPr rtlCol="0" anchor="ctr"/>
+              <a:lstStyle/>
+              <a:p>
+                <a:pPr algn="ctr"/>
+                <a:r>
+                  <a:rPr lang="ko-KR" altLang="en-US" dirty="0"/>
+                  <a:t>뉴스 내용</a:t>
+                </a:r>
+              </a:p>
+            </p:txBody>
+          </p:sp>
+          <p:sp>
+            <p:nvSpPr>
+              <p:cNvPr id="37" name="직사각형 36">
+                <a:extLst>
+                  <a:ext uri="{FF2B5EF4-FFF2-40B4-BE49-F238E27FC236}">
+                    <a16:creationId xmlns:a16="http://schemas.microsoft.com/office/drawing/2014/main" id="{99CD6A87-2D5B-47D2-8F08-9EFBFB2CC6EF}"/>
+                  </a:ext>
+                </a:extLst>
+              </p:cNvPr>
+              <p:cNvSpPr/>
+              <p:nvPr/>
+            </p:nvSpPr>
+            <p:spPr>
+              <a:xfrm>
+                <a:off x="2310050" y="1839735"/>
+                <a:ext cx="1510073" cy="154072"/>
+              </a:xfrm>
+              <a:prstGeom prst="rect">
+                <a:avLst/>
+              </a:prstGeom>
+              <a:solidFill>
+                <a:schemeClr val="accent2">
+                  <a:lumMod val="40000"/>
+                  <a:lumOff val="60000"/>
+                </a:schemeClr>
+              </a:solidFill>
+              <a:ln>
+                <a:noFill/>
+              </a:ln>
+            </p:spPr>
+            <p:style>
+              <a:lnRef idx="2">
+                <a:schemeClr val="accent1">
+                  <a:shade val="50000"/>
+                </a:schemeClr>
+              </a:lnRef>
+              <a:fillRef idx="1">
+                <a:schemeClr val="accent1"/>
+              </a:fillRef>
+              <a:effectRef idx="0">
+                <a:schemeClr val="accent1"/>
+              </a:effectRef>
+              <a:fontRef idx="minor">
+                <a:schemeClr val="lt1"/>
+              </a:fontRef>
+            </p:style>
+            <p:txBody>
+              <a:bodyPr rtlCol="0" anchor="ctr"/>
+              <a:lstStyle/>
+              <a:p>
+                <a:pPr algn="ctr"/>
+                <a:r>
+                  <a:rPr lang="ko-KR" altLang="en-US" sz="1100" dirty="0"/>
+                  <a:t>키워드</a:t>
+                </a:r>
+              </a:p>
+            </p:txBody>
+          </p:sp>
+        </p:grpSp>
+        <p:grpSp>
+          <p:nvGrpSpPr>
+            <p:cNvPr id="38" name="그룹 37">
+              <a:extLst>
+                <a:ext uri="{FF2B5EF4-FFF2-40B4-BE49-F238E27FC236}">
+                  <a16:creationId xmlns:a16="http://schemas.microsoft.com/office/drawing/2014/main" id="{97AA7BB8-BD61-4A84-B338-C3611ACCEBF4}"/>
+                </a:ext>
+              </a:extLst>
+            </p:cNvPr>
+            <p:cNvGrpSpPr/>
+            <p:nvPr/>
+          </p:nvGrpSpPr>
+          <p:grpSpPr>
+            <a:xfrm>
+              <a:off x="1269668" y="3297110"/>
+              <a:ext cx="2653553" cy="1062234"/>
+              <a:chOff x="1269668" y="994025"/>
+              <a:chExt cx="2653553" cy="1062234"/>
+            </a:xfrm>
+          </p:grpSpPr>
+          <p:sp>
+            <p:nvSpPr>
+              <p:cNvPr id="39" name="직사각형 38">
+                <a:extLst>
+                  <a:ext uri="{FF2B5EF4-FFF2-40B4-BE49-F238E27FC236}">
+                    <a16:creationId xmlns:a16="http://schemas.microsoft.com/office/drawing/2014/main" id="{1EE73B2B-1045-48C8-BF3E-F42F1A12235D}"/>
+                  </a:ext>
+                </a:extLst>
+              </p:cNvPr>
+              <p:cNvSpPr/>
+              <p:nvPr/>
+            </p:nvSpPr>
+            <p:spPr>
+              <a:xfrm>
+                <a:off x="1269668" y="994025"/>
+                <a:ext cx="2653553" cy="1062234"/>
+              </a:xfrm>
+              <a:prstGeom prst="rect">
+                <a:avLst/>
+              </a:prstGeom>
+              <a:solidFill>
+                <a:schemeClr val="accent1">
+                  <a:lumMod val="60000"/>
+                  <a:lumOff val="40000"/>
+                </a:schemeClr>
+              </a:solidFill>
+              <a:ln>
+                <a:noFill/>
+              </a:ln>
+            </p:spPr>
+            <p:style>
+              <a:lnRef idx="2">
+                <a:schemeClr val="accent1">
+                  <a:shade val="50000"/>
+                </a:schemeClr>
+              </a:lnRef>
+              <a:fillRef idx="1">
+                <a:schemeClr val="accent1"/>
+              </a:fillRef>
+              <a:effectRef idx="0">
+                <a:schemeClr val="accent1"/>
+              </a:effectRef>
+              <a:fontRef idx="minor">
+                <a:schemeClr val="lt1"/>
+              </a:fontRef>
+            </p:style>
+            <p:txBody>
+              <a:bodyPr rtlCol="0" anchor="ctr"/>
+              <a:lstStyle/>
+              <a:p>
+                <a:pPr algn="ctr"/>
+                <a:endParaRPr lang="ko-KR" altLang="en-US"/>
+              </a:p>
+            </p:txBody>
+          </p:sp>
+          <p:sp>
+            <p:nvSpPr>
+              <p:cNvPr id="40" name="직사각형 39">
+                <a:extLst>
+                  <a:ext uri="{FF2B5EF4-FFF2-40B4-BE49-F238E27FC236}">
+                    <a16:creationId xmlns:a16="http://schemas.microsoft.com/office/drawing/2014/main" id="{1D0F1C32-8858-449F-9247-FFCB4E4F0F9D}"/>
+                  </a:ext>
+                </a:extLst>
+              </p:cNvPr>
+              <p:cNvSpPr/>
+              <p:nvPr/>
+            </p:nvSpPr>
+            <p:spPr>
+              <a:xfrm>
+                <a:off x="1337088" y="1059807"/>
+                <a:ext cx="902221" cy="934000"/>
+              </a:xfrm>
+              <a:prstGeom prst="rect">
+                <a:avLst/>
+              </a:prstGeom>
+              <a:solidFill>
+                <a:schemeClr val="accent4">
+                  <a:lumMod val="60000"/>
+                  <a:lumOff val="40000"/>
+                </a:schemeClr>
+              </a:solidFill>
+              <a:ln>
+                <a:noFill/>
+              </a:ln>
+            </p:spPr>
+            <p:style>
+              <a:lnRef idx="2">
+                <a:schemeClr val="accent1">
+                  <a:shade val="50000"/>
+                </a:schemeClr>
+              </a:lnRef>
+              <a:fillRef idx="1">
+                <a:schemeClr val="accent1"/>
+              </a:fillRef>
+              <a:effectRef idx="0">
+                <a:schemeClr val="accent1"/>
+              </a:effectRef>
+              <a:fontRef idx="minor">
+                <a:schemeClr val="lt1"/>
+              </a:fontRef>
+            </p:style>
+            <p:txBody>
+              <a:bodyPr rtlCol="0" anchor="ctr"/>
+              <a:lstStyle/>
+              <a:p>
+                <a:pPr algn="ctr"/>
+                <a:r>
+                  <a:rPr lang="ko-KR" altLang="en-US" dirty="0"/>
+                  <a:t>사진</a:t>
+                </a:r>
+              </a:p>
+            </p:txBody>
+          </p:sp>
+          <p:sp>
+            <p:nvSpPr>
+              <p:cNvPr id="41" name="직사각형 40">
+                <a:extLst>
+                  <a:ext uri="{FF2B5EF4-FFF2-40B4-BE49-F238E27FC236}">
+                    <a16:creationId xmlns:a16="http://schemas.microsoft.com/office/drawing/2014/main" id="{29B7B5F4-FA18-4E57-ACFE-ADABE4537942}"/>
+                  </a:ext>
+                </a:extLst>
+              </p:cNvPr>
+              <p:cNvSpPr/>
+              <p:nvPr/>
+            </p:nvSpPr>
+            <p:spPr>
+              <a:xfrm>
+                <a:off x="2306729" y="1077115"/>
+                <a:ext cx="1510073" cy="154072"/>
+              </a:xfrm>
+              <a:prstGeom prst="rect">
+                <a:avLst/>
+              </a:prstGeom>
+              <a:solidFill>
+                <a:srgbClr val="7030A0"/>
+              </a:solidFill>
+              <a:ln>
+                <a:noFill/>
+              </a:ln>
+            </p:spPr>
+            <p:style>
+              <a:lnRef idx="2">
+                <a:schemeClr val="accent1">
+                  <a:shade val="50000"/>
+                </a:schemeClr>
+              </a:lnRef>
+              <a:fillRef idx="1">
+                <a:schemeClr val="accent1"/>
+              </a:fillRef>
+              <a:effectRef idx="0">
+                <a:schemeClr val="accent1"/>
+              </a:effectRef>
+              <a:fontRef idx="minor">
+                <a:schemeClr val="lt1"/>
+              </a:fontRef>
+            </p:style>
+            <p:txBody>
+              <a:bodyPr rtlCol="0" anchor="ctr"/>
+              <a:lstStyle/>
+              <a:p>
+                <a:pPr algn="ctr"/>
+                <a:r>
+                  <a:rPr lang="ko-KR" altLang="en-US" sz="1100" dirty="0"/>
+                  <a:t>뉴스 제목</a:t>
+                </a:r>
+              </a:p>
+            </p:txBody>
+          </p:sp>
+          <p:sp>
+            <p:nvSpPr>
+              <p:cNvPr id="42" name="직사각형 41">
+                <a:extLst>
+                  <a:ext uri="{FF2B5EF4-FFF2-40B4-BE49-F238E27FC236}">
+                    <a16:creationId xmlns:a16="http://schemas.microsoft.com/office/drawing/2014/main" id="{D20EB671-B8A6-43B3-BA21-D07D93568CB1}"/>
+                  </a:ext>
+                </a:extLst>
+              </p:cNvPr>
+              <p:cNvSpPr/>
+              <p:nvPr/>
+            </p:nvSpPr>
+            <p:spPr>
+              <a:xfrm>
+                <a:off x="2310050" y="1314240"/>
+                <a:ext cx="1510073" cy="440470"/>
+              </a:xfrm>
+              <a:prstGeom prst="rect">
+                <a:avLst/>
+              </a:prstGeom>
+              <a:solidFill>
+                <a:schemeClr val="accent6">
+                  <a:lumMod val="60000"/>
+                  <a:lumOff val="40000"/>
+                </a:schemeClr>
+              </a:solidFill>
+              <a:ln>
+                <a:noFill/>
+              </a:ln>
+            </p:spPr>
+            <p:style>
+              <a:lnRef idx="2">
+                <a:schemeClr val="accent1">
+                  <a:shade val="50000"/>
+                </a:schemeClr>
+              </a:lnRef>
+              <a:fillRef idx="1">
+                <a:schemeClr val="accent1"/>
+              </a:fillRef>
+              <a:effectRef idx="0">
+                <a:schemeClr val="accent1"/>
+              </a:effectRef>
+              <a:fontRef idx="minor">
+                <a:schemeClr val="lt1"/>
+              </a:fontRef>
+            </p:style>
+            <p:txBody>
+              <a:bodyPr rtlCol="0" anchor="ctr"/>
+              <a:lstStyle/>
+              <a:p>
+                <a:pPr algn="ctr"/>
+                <a:r>
+                  <a:rPr lang="ko-KR" altLang="en-US" dirty="0"/>
+                  <a:t>뉴스 내용</a:t>
+                </a:r>
+              </a:p>
+            </p:txBody>
+          </p:sp>
+          <p:sp>
+            <p:nvSpPr>
+              <p:cNvPr id="43" name="직사각형 42">
+                <a:extLst>
+                  <a:ext uri="{FF2B5EF4-FFF2-40B4-BE49-F238E27FC236}">
+                    <a16:creationId xmlns:a16="http://schemas.microsoft.com/office/drawing/2014/main" id="{99800CB6-A55C-4047-BE91-228FF9C2B8B5}"/>
+                  </a:ext>
+                </a:extLst>
+              </p:cNvPr>
+              <p:cNvSpPr/>
+              <p:nvPr/>
+            </p:nvSpPr>
+            <p:spPr>
+              <a:xfrm>
+                <a:off x="2310050" y="1839735"/>
+                <a:ext cx="1510073" cy="154072"/>
+              </a:xfrm>
+              <a:prstGeom prst="rect">
+                <a:avLst/>
+              </a:prstGeom>
+              <a:solidFill>
+                <a:schemeClr val="accent2">
+                  <a:lumMod val="40000"/>
+                  <a:lumOff val="60000"/>
+                </a:schemeClr>
+              </a:solidFill>
+              <a:ln>
+                <a:noFill/>
+              </a:ln>
+            </p:spPr>
+            <p:style>
+              <a:lnRef idx="2">
+                <a:schemeClr val="accent1">
+                  <a:shade val="50000"/>
+                </a:schemeClr>
+              </a:lnRef>
+              <a:fillRef idx="1">
+                <a:schemeClr val="accent1"/>
+              </a:fillRef>
+              <a:effectRef idx="0">
+                <a:schemeClr val="accent1"/>
+              </a:effectRef>
+              <a:fontRef idx="minor">
+                <a:schemeClr val="lt1"/>
+              </a:fontRef>
+            </p:style>
+            <p:txBody>
+              <a:bodyPr rtlCol="0" anchor="ctr"/>
+              <a:lstStyle/>
+              <a:p>
+                <a:pPr algn="ctr"/>
+                <a:r>
+                  <a:rPr lang="ko-KR" altLang="en-US" sz="1100" dirty="0"/>
+                  <a:t>키워드</a:t>
+                </a:r>
+              </a:p>
+            </p:txBody>
+          </p:sp>
+        </p:grpSp>
+        <p:grpSp>
+          <p:nvGrpSpPr>
+            <p:cNvPr id="44" name="그룹 43">
+              <a:extLst>
+                <a:ext uri="{FF2B5EF4-FFF2-40B4-BE49-F238E27FC236}">
+                  <a16:creationId xmlns:a16="http://schemas.microsoft.com/office/drawing/2014/main" id="{72E0E50F-C068-4EC7-939F-DAFA1E7824F8}"/>
+                </a:ext>
+              </a:extLst>
+            </p:cNvPr>
+            <p:cNvGrpSpPr/>
+            <p:nvPr/>
+          </p:nvGrpSpPr>
+          <p:grpSpPr>
+            <a:xfrm>
+              <a:off x="1269668" y="4426048"/>
+              <a:ext cx="2653553" cy="1062234"/>
+              <a:chOff x="1269668" y="994025"/>
+              <a:chExt cx="2653553" cy="1062234"/>
+            </a:xfrm>
+          </p:grpSpPr>
+          <p:sp>
+            <p:nvSpPr>
+              <p:cNvPr id="45" name="직사각형 44">
+                <a:extLst>
+                  <a:ext uri="{FF2B5EF4-FFF2-40B4-BE49-F238E27FC236}">
+                    <a16:creationId xmlns:a16="http://schemas.microsoft.com/office/drawing/2014/main" id="{89047039-5431-43E0-AC9F-DF30661D589B}"/>
+                  </a:ext>
+                </a:extLst>
+              </p:cNvPr>
+              <p:cNvSpPr/>
+              <p:nvPr/>
+            </p:nvSpPr>
+            <p:spPr>
+              <a:xfrm>
+                <a:off x="1269668" y="994025"/>
+                <a:ext cx="2653553" cy="1062234"/>
+              </a:xfrm>
+              <a:prstGeom prst="rect">
+                <a:avLst/>
+              </a:prstGeom>
+              <a:solidFill>
+                <a:schemeClr val="accent1">
+                  <a:lumMod val="60000"/>
+                  <a:lumOff val="40000"/>
+                </a:schemeClr>
+              </a:solidFill>
+              <a:ln>
+                <a:noFill/>
+              </a:ln>
+            </p:spPr>
+            <p:style>
+              <a:lnRef idx="2">
+                <a:schemeClr val="accent1">
+                  <a:shade val="50000"/>
+                </a:schemeClr>
+              </a:lnRef>
+              <a:fillRef idx="1">
+                <a:schemeClr val="accent1"/>
+              </a:fillRef>
+              <a:effectRef idx="0">
+                <a:schemeClr val="accent1"/>
+              </a:effectRef>
+              <a:fontRef idx="minor">
+                <a:schemeClr val="lt1"/>
+              </a:fontRef>
+            </p:style>
+            <p:txBody>
+              <a:bodyPr rtlCol="0" anchor="ctr"/>
+              <a:lstStyle/>
+              <a:p>
+                <a:pPr algn="ctr"/>
+                <a:endParaRPr lang="ko-KR" altLang="en-US"/>
+              </a:p>
+            </p:txBody>
+          </p:sp>
+          <p:sp>
+            <p:nvSpPr>
+              <p:cNvPr id="46" name="직사각형 45">
+                <a:extLst>
+                  <a:ext uri="{FF2B5EF4-FFF2-40B4-BE49-F238E27FC236}">
+                    <a16:creationId xmlns:a16="http://schemas.microsoft.com/office/drawing/2014/main" id="{AFB2CAE4-3513-4BED-8F40-88E1FA1B5404}"/>
+                  </a:ext>
+                </a:extLst>
+              </p:cNvPr>
+              <p:cNvSpPr/>
+              <p:nvPr/>
+            </p:nvSpPr>
+            <p:spPr>
+              <a:xfrm>
+                <a:off x="1337088" y="1059807"/>
+                <a:ext cx="902221" cy="934000"/>
+              </a:xfrm>
+              <a:prstGeom prst="rect">
+                <a:avLst/>
+              </a:prstGeom>
+              <a:solidFill>
+                <a:schemeClr val="accent4">
+                  <a:lumMod val="60000"/>
+                  <a:lumOff val="40000"/>
+                </a:schemeClr>
+              </a:solidFill>
+              <a:ln>
+                <a:noFill/>
+              </a:ln>
+            </p:spPr>
+            <p:style>
+              <a:lnRef idx="2">
+                <a:schemeClr val="accent1">
+                  <a:shade val="50000"/>
+                </a:schemeClr>
+              </a:lnRef>
+              <a:fillRef idx="1">
+                <a:schemeClr val="accent1"/>
+              </a:fillRef>
+              <a:effectRef idx="0">
+                <a:schemeClr val="accent1"/>
+              </a:effectRef>
+              <a:fontRef idx="minor">
+                <a:schemeClr val="lt1"/>
+              </a:fontRef>
+            </p:style>
+            <p:txBody>
+              <a:bodyPr rtlCol="0" anchor="ctr"/>
+              <a:lstStyle/>
+              <a:p>
+                <a:pPr algn="ctr"/>
+                <a:r>
+                  <a:rPr lang="ko-KR" altLang="en-US" dirty="0"/>
+                  <a:t>사진</a:t>
+                </a:r>
+              </a:p>
+            </p:txBody>
+          </p:sp>
+          <p:sp>
+            <p:nvSpPr>
+              <p:cNvPr id="47" name="직사각형 46">
+                <a:extLst>
+                  <a:ext uri="{FF2B5EF4-FFF2-40B4-BE49-F238E27FC236}">
+                    <a16:creationId xmlns:a16="http://schemas.microsoft.com/office/drawing/2014/main" id="{0D556E2C-799A-4702-9E6F-EACAF5AB3401}"/>
+                  </a:ext>
+                </a:extLst>
+              </p:cNvPr>
+              <p:cNvSpPr/>
+              <p:nvPr/>
+            </p:nvSpPr>
+            <p:spPr>
+              <a:xfrm>
+                <a:off x="2306729" y="1077115"/>
+                <a:ext cx="1510073" cy="154072"/>
+              </a:xfrm>
+              <a:prstGeom prst="rect">
+                <a:avLst/>
+              </a:prstGeom>
+              <a:solidFill>
+                <a:srgbClr val="7030A0"/>
+              </a:solidFill>
+              <a:ln>
+                <a:noFill/>
+              </a:ln>
+            </p:spPr>
+            <p:style>
+              <a:lnRef idx="2">
+                <a:schemeClr val="accent1">
+                  <a:shade val="50000"/>
+                </a:schemeClr>
+              </a:lnRef>
+              <a:fillRef idx="1">
+                <a:schemeClr val="accent1"/>
+              </a:fillRef>
+              <a:effectRef idx="0">
+                <a:schemeClr val="accent1"/>
+              </a:effectRef>
+              <a:fontRef idx="minor">
+                <a:schemeClr val="lt1"/>
+              </a:fontRef>
+            </p:style>
+            <p:txBody>
+              <a:bodyPr rtlCol="0" anchor="ctr"/>
+              <a:lstStyle/>
+              <a:p>
+                <a:pPr algn="ctr"/>
+                <a:r>
+                  <a:rPr lang="ko-KR" altLang="en-US" sz="1100" dirty="0"/>
+                  <a:t>뉴스 제목</a:t>
+                </a:r>
+              </a:p>
+            </p:txBody>
+          </p:sp>
+          <p:sp>
+            <p:nvSpPr>
+              <p:cNvPr id="48" name="직사각형 47">
+                <a:extLst>
+                  <a:ext uri="{FF2B5EF4-FFF2-40B4-BE49-F238E27FC236}">
+                    <a16:creationId xmlns:a16="http://schemas.microsoft.com/office/drawing/2014/main" id="{A5171196-AC59-4711-AD8A-B995535B199A}"/>
+                  </a:ext>
+                </a:extLst>
+              </p:cNvPr>
+              <p:cNvSpPr/>
+              <p:nvPr/>
+            </p:nvSpPr>
+            <p:spPr>
+              <a:xfrm>
+                <a:off x="2310050" y="1314240"/>
+                <a:ext cx="1510073" cy="440470"/>
+              </a:xfrm>
+              <a:prstGeom prst="rect">
+                <a:avLst/>
+              </a:prstGeom>
+              <a:solidFill>
+                <a:schemeClr val="accent6">
+                  <a:lumMod val="60000"/>
+                  <a:lumOff val="40000"/>
+                </a:schemeClr>
+              </a:solidFill>
+              <a:ln>
+                <a:noFill/>
+              </a:ln>
+            </p:spPr>
+            <p:style>
+              <a:lnRef idx="2">
+                <a:schemeClr val="accent1">
+                  <a:shade val="50000"/>
+                </a:schemeClr>
+              </a:lnRef>
+              <a:fillRef idx="1">
+                <a:schemeClr val="accent1"/>
+              </a:fillRef>
+              <a:effectRef idx="0">
+                <a:schemeClr val="accent1"/>
+              </a:effectRef>
+              <a:fontRef idx="minor">
+                <a:schemeClr val="lt1"/>
+              </a:fontRef>
+            </p:style>
+            <p:txBody>
+              <a:bodyPr rtlCol="0" anchor="ctr"/>
+              <a:lstStyle/>
+              <a:p>
+                <a:pPr algn="ctr"/>
+                <a:r>
+                  <a:rPr lang="ko-KR" altLang="en-US" dirty="0"/>
+                  <a:t>뉴스 내용</a:t>
+                </a:r>
+              </a:p>
+            </p:txBody>
+          </p:sp>
+          <p:sp>
+            <p:nvSpPr>
+              <p:cNvPr id="49" name="직사각형 48">
+                <a:extLst>
+                  <a:ext uri="{FF2B5EF4-FFF2-40B4-BE49-F238E27FC236}">
+                    <a16:creationId xmlns:a16="http://schemas.microsoft.com/office/drawing/2014/main" id="{CB8AB205-44DC-4234-92FD-9CF18F6AC0FB}"/>
+                  </a:ext>
+                </a:extLst>
+              </p:cNvPr>
+              <p:cNvSpPr/>
+              <p:nvPr/>
+            </p:nvSpPr>
+            <p:spPr>
+              <a:xfrm>
+                <a:off x="2310050" y="1839735"/>
+                <a:ext cx="1510073" cy="154072"/>
+              </a:xfrm>
+              <a:prstGeom prst="rect">
+                <a:avLst/>
+              </a:prstGeom>
+              <a:solidFill>
+                <a:schemeClr val="accent2">
+                  <a:lumMod val="40000"/>
+                  <a:lumOff val="60000"/>
+                </a:schemeClr>
+              </a:solidFill>
+              <a:ln>
+                <a:noFill/>
+              </a:ln>
+            </p:spPr>
+            <p:style>
+              <a:lnRef idx="2">
+                <a:schemeClr val="accent1">
+                  <a:shade val="50000"/>
+                </a:schemeClr>
+              </a:lnRef>
+              <a:fillRef idx="1">
+                <a:schemeClr val="accent1"/>
+              </a:fillRef>
+              <a:effectRef idx="0">
+                <a:schemeClr val="accent1"/>
+              </a:effectRef>
+              <a:fontRef idx="minor">
+                <a:schemeClr val="lt1"/>
+              </a:fontRef>
+            </p:style>
+            <p:txBody>
+              <a:bodyPr rtlCol="0" anchor="ctr"/>
+              <a:lstStyle/>
+              <a:p>
+                <a:pPr algn="ctr"/>
+                <a:r>
+                  <a:rPr lang="ko-KR" altLang="en-US" sz="1100" dirty="0"/>
+                  <a:t>키워드</a:t>
+                </a:r>
+              </a:p>
+            </p:txBody>
+          </p:sp>
+        </p:grpSp>
+        <p:sp>
+          <p:nvSpPr>
+            <p:cNvPr id="2" name="TextBox 1">
+              <a:extLst>
+                <a:ext uri="{FF2B5EF4-FFF2-40B4-BE49-F238E27FC236}">
+                  <a16:creationId xmlns:a16="http://schemas.microsoft.com/office/drawing/2014/main" id="{D6924BE3-1D84-4999-8DDA-F294585494CC}"/>
+                </a:ext>
+              </a:extLst>
+            </p:cNvPr>
+            <p:cNvSpPr txBox="1"/>
             <p:nvPr/>
           </p:nvSpPr>
           <p:spPr>
             <a:xfrm>
-              <a:off x="2306729" y="1077115"/>
-              <a:ext cx="1510073" cy="154072"/>
+              <a:off x="1886153" y="6084549"/>
+              <a:ext cx="1420582" cy="369332"/>
             </a:xfrm>
             <a:prstGeom prst="rect">
               <a:avLst/>
             </a:prstGeom>
-            <a:solidFill>
-              <a:srgbClr val="7030A0"/>
-            </a:solidFill>
-            <a:ln>
-              <a:noFill/>
-            </a:ln>
+            <a:noFill/>
           </p:spPr>
-          <p:style>
-            <a:lnRef idx="2">
-              <a:schemeClr val="accent1">
-                <a:shade val="50000"/>
-              </a:schemeClr>
-            </a:lnRef>
-            <a:fillRef idx="1">
-              <a:schemeClr val="accent1"/>
-            </a:fillRef>
-            <a:effectRef idx="0">
-              <a:schemeClr val="accent1"/>
-            </a:effectRef>
-            <a:fontRef idx="minor">
-              <a:schemeClr val="lt1"/>
-            </a:fontRef>
-          </p:style>
           <p:txBody>
-            <a:bodyPr rtlCol="0" anchor="ctr"/>
+            <a:bodyPr wrap="none" rtlCol="0">
+              <a:spAutoFit/>
+            </a:bodyPr>
             <a:lstStyle/>
             <a:p>
-              <a:pPr algn="ctr"/>
               <a:r>
-                <a:rPr lang="ko-KR" altLang="en-US" sz="1100" dirty="0"/>
-                <a:t>뉴스 제목</a:t>
-              </a:r>
-            </a:p>
-          </p:txBody>
-        </p:sp>
-        <p:sp>
-          <p:nvSpPr>
-            <p:cNvPr id="13" name="직사각형 12">
-              <a:extLst>
-                <a:ext uri="{FF2B5EF4-FFF2-40B4-BE49-F238E27FC236}">
-                  <a16:creationId xmlns:a16="http://schemas.microsoft.com/office/drawing/2014/main" id="{B7F4C487-A288-4502-87DE-0DEECC1396E3}"/>
-                </a:ext>
-              </a:extLst>
-            </p:cNvPr>
-            <p:cNvSpPr/>
-            <p:nvPr/>
-          </p:nvSpPr>
-          <p:spPr>
-            <a:xfrm>
-              <a:off x="2310050" y="1314240"/>
-              <a:ext cx="1510073" cy="440470"/>
-            </a:xfrm>
-            <a:prstGeom prst="rect">
-              <a:avLst/>
-            </a:prstGeom>
-            <a:solidFill>
-              <a:schemeClr val="accent6">
-                <a:lumMod val="60000"/>
-                <a:lumOff val="40000"/>
-              </a:schemeClr>
-            </a:solidFill>
-            <a:ln>
-              <a:noFill/>
-            </a:ln>
-          </p:spPr>
-          <p:style>
-            <a:lnRef idx="2">
-              <a:schemeClr val="accent1">
-                <a:shade val="50000"/>
-              </a:schemeClr>
-            </a:lnRef>
-            <a:fillRef idx="1">
-              <a:schemeClr val="accent1"/>
-            </a:fillRef>
-            <a:effectRef idx="0">
-              <a:schemeClr val="accent1"/>
-            </a:effectRef>
-            <a:fontRef idx="minor">
-              <a:schemeClr val="lt1"/>
-            </a:fontRef>
-          </p:style>
-          <p:txBody>
-            <a:bodyPr rtlCol="0" anchor="ctr"/>
-            <a:lstStyle/>
-            <a:p>
-              <a:pPr algn="ctr"/>
-              <a:r>
-                <a:rPr lang="ko-KR" altLang="en-US" dirty="0"/>
-                <a:t>뉴스 내용</a:t>
-              </a:r>
-            </a:p>
-          </p:txBody>
-        </p:sp>
-        <p:sp>
-          <p:nvSpPr>
-            <p:cNvPr id="30" name="직사각형 29">
-              <a:extLst>
-                <a:ext uri="{FF2B5EF4-FFF2-40B4-BE49-F238E27FC236}">
-                  <a16:creationId xmlns:a16="http://schemas.microsoft.com/office/drawing/2014/main" id="{289A7080-2E5A-4A64-A55F-59BED0D5EA92}"/>
-                </a:ext>
-              </a:extLst>
-            </p:cNvPr>
-            <p:cNvSpPr/>
-            <p:nvPr/>
-          </p:nvSpPr>
-          <p:spPr>
-            <a:xfrm>
-              <a:off x="2310050" y="1839735"/>
-              <a:ext cx="1510073" cy="154072"/>
-            </a:xfrm>
-            <a:prstGeom prst="rect">
-              <a:avLst/>
-            </a:prstGeom>
-            <a:solidFill>
-              <a:schemeClr val="accent2">
-                <a:lumMod val="40000"/>
-                <a:lumOff val="60000"/>
-              </a:schemeClr>
-            </a:solidFill>
-            <a:ln>
-              <a:noFill/>
-            </a:ln>
-          </p:spPr>
-          <p:style>
-            <a:lnRef idx="2">
-              <a:schemeClr val="accent1">
-                <a:shade val="50000"/>
-              </a:schemeClr>
-            </a:lnRef>
-            <a:fillRef idx="1">
-              <a:schemeClr val="accent1"/>
-            </a:fillRef>
-            <a:effectRef idx="0">
-              <a:schemeClr val="accent1"/>
-            </a:effectRef>
-            <a:fontRef idx="minor">
-              <a:schemeClr val="lt1"/>
-            </a:fontRef>
-          </p:style>
-          <p:txBody>
-            <a:bodyPr rtlCol="0" anchor="ctr"/>
-            <a:lstStyle/>
-            <a:p>
-              <a:pPr algn="ctr"/>
-              <a:r>
-                <a:rPr lang="ko-KR" altLang="en-US" sz="1100" dirty="0"/>
-                <a:t>키워드</a:t>
+                <a:rPr lang="ko-KR" altLang="en-US" dirty="0">
+                  <a:latin typeface="HY견고딕" panose="02030600000101010101" pitchFamily="18" charset="-127"/>
+                  <a:ea typeface="HY견고딕" panose="02030600000101010101" pitchFamily="18" charset="-127"/>
+                </a:rPr>
+                <a:t>뉴스 리스트</a:t>
               </a:r>
             </a:p>
           </p:txBody>
         </p:sp>
       </p:grpSp>
-      <p:grpSp>
-        <p:nvGrpSpPr>
-          <p:cNvPr id="32" name="그룹 31">
-            <a:extLst>
-              <a:ext uri="{FF2B5EF4-FFF2-40B4-BE49-F238E27FC236}">
-                <a16:creationId xmlns:a16="http://schemas.microsoft.com/office/drawing/2014/main" id="{F32E90AB-B657-48C4-9315-938B4A4514F1}"/>
-              </a:ext>
-            </a:extLst>
-          </p:cNvPr>
-          <p:cNvGrpSpPr/>
-          <p:nvPr/>
-        </p:nvGrpSpPr>
-        <p:grpSpPr>
-          <a:xfrm>
-            <a:off x="1269668" y="2139588"/>
-            <a:ext cx="2653553" cy="1062234"/>
-            <a:chOff x="1269668" y="994025"/>
-            <a:chExt cx="2653553" cy="1062234"/>
-          </a:xfrm>
-        </p:grpSpPr>
-        <p:sp>
-          <p:nvSpPr>
-            <p:cNvPr id="33" name="직사각형 32">
-              <a:extLst>
-                <a:ext uri="{FF2B5EF4-FFF2-40B4-BE49-F238E27FC236}">
-                  <a16:creationId xmlns:a16="http://schemas.microsoft.com/office/drawing/2014/main" id="{F1F16D50-4C75-4480-B24D-40181AC27C65}"/>
-                </a:ext>
-              </a:extLst>
-            </p:cNvPr>
-            <p:cNvSpPr/>
-            <p:nvPr/>
-          </p:nvSpPr>
-          <p:spPr>
-            <a:xfrm>
-              <a:off x="1269668" y="994025"/>
-              <a:ext cx="2653553" cy="1062234"/>
-            </a:xfrm>
-            <a:prstGeom prst="rect">
-              <a:avLst/>
-            </a:prstGeom>
-            <a:solidFill>
-              <a:schemeClr val="accent1">
-                <a:lumMod val="60000"/>
-                <a:lumOff val="40000"/>
-              </a:schemeClr>
-            </a:solidFill>
-            <a:ln>
-              <a:noFill/>
-            </a:ln>
-          </p:spPr>
-          <p:style>
-            <a:lnRef idx="2">
-              <a:schemeClr val="accent1">
-                <a:shade val="50000"/>
-              </a:schemeClr>
-            </a:lnRef>
-            <a:fillRef idx="1">
-              <a:schemeClr val="accent1"/>
-            </a:fillRef>
-            <a:effectRef idx="0">
-              <a:schemeClr val="accent1"/>
-            </a:effectRef>
-            <a:fontRef idx="minor">
-              <a:schemeClr val="lt1"/>
-            </a:fontRef>
-          </p:style>
-          <p:txBody>
-            <a:bodyPr rtlCol="0" anchor="ctr"/>
-            <a:lstStyle/>
-            <a:p>
-              <a:pPr algn="ctr"/>
-              <a:endParaRPr lang="ko-KR" altLang="en-US"/>
-            </a:p>
-          </p:txBody>
-        </p:sp>
-        <p:sp>
-          <p:nvSpPr>
-            <p:cNvPr id="34" name="직사각형 33">
-              <a:extLst>
-                <a:ext uri="{FF2B5EF4-FFF2-40B4-BE49-F238E27FC236}">
-                  <a16:creationId xmlns:a16="http://schemas.microsoft.com/office/drawing/2014/main" id="{375AF0AE-1236-4FF4-822D-FE439BF72818}"/>
-                </a:ext>
-              </a:extLst>
-            </p:cNvPr>
-            <p:cNvSpPr/>
-            <p:nvPr/>
-          </p:nvSpPr>
-          <p:spPr>
-            <a:xfrm>
-              <a:off x="1337088" y="1059807"/>
-              <a:ext cx="902221" cy="934000"/>
-            </a:xfrm>
-            <a:prstGeom prst="rect">
-              <a:avLst/>
-            </a:prstGeom>
-            <a:solidFill>
-              <a:schemeClr val="accent4">
-                <a:lumMod val="60000"/>
-                <a:lumOff val="40000"/>
-              </a:schemeClr>
-            </a:solidFill>
-            <a:ln>
-              <a:noFill/>
-            </a:ln>
-          </p:spPr>
-          <p:style>
-            <a:lnRef idx="2">
-              <a:schemeClr val="accent1">
-                <a:shade val="50000"/>
-              </a:schemeClr>
-            </a:lnRef>
-            <a:fillRef idx="1">
-              <a:schemeClr val="accent1"/>
-            </a:fillRef>
-            <a:effectRef idx="0">
-              <a:schemeClr val="accent1"/>
-            </a:effectRef>
-            <a:fontRef idx="minor">
-              <a:schemeClr val="lt1"/>
-            </a:fontRef>
-          </p:style>
-          <p:txBody>
-            <a:bodyPr rtlCol="0" anchor="ctr"/>
-            <a:lstStyle/>
-            <a:p>
-              <a:pPr algn="ctr"/>
-              <a:r>
-                <a:rPr lang="ko-KR" altLang="en-US" dirty="0"/>
-                <a:t>사진</a:t>
-              </a:r>
-            </a:p>
-          </p:txBody>
-        </p:sp>
-        <p:sp>
-          <p:nvSpPr>
-            <p:cNvPr id="35" name="직사각형 34">
-              <a:extLst>
-                <a:ext uri="{FF2B5EF4-FFF2-40B4-BE49-F238E27FC236}">
-                  <a16:creationId xmlns:a16="http://schemas.microsoft.com/office/drawing/2014/main" id="{8C594C17-67D6-4E70-99C5-FAB4C9BF4E20}"/>
-                </a:ext>
-              </a:extLst>
-            </p:cNvPr>
-            <p:cNvSpPr/>
-            <p:nvPr/>
-          </p:nvSpPr>
-          <p:spPr>
-            <a:xfrm>
-              <a:off x="2306729" y="1077115"/>
-              <a:ext cx="1510073" cy="154072"/>
-            </a:xfrm>
-            <a:prstGeom prst="rect">
-              <a:avLst/>
-            </a:prstGeom>
-            <a:solidFill>
-              <a:srgbClr val="7030A0"/>
-            </a:solidFill>
-            <a:ln>
-              <a:noFill/>
-            </a:ln>
-          </p:spPr>
-          <p:style>
-            <a:lnRef idx="2">
-              <a:schemeClr val="accent1">
-                <a:shade val="50000"/>
-              </a:schemeClr>
-            </a:lnRef>
-            <a:fillRef idx="1">
-              <a:schemeClr val="accent1"/>
-            </a:fillRef>
-            <a:effectRef idx="0">
-              <a:schemeClr val="accent1"/>
-            </a:effectRef>
-            <a:fontRef idx="minor">
-              <a:schemeClr val="lt1"/>
-            </a:fontRef>
-          </p:style>
-          <p:txBody>
-            <a:bodyPr rtlCol="0" anchor="ctr"/>
-            <a:lstStyle/>
-            <a:p>
-              <a:pPr algn="ctr"/>
-              <a:r>
-                <a:rPr lang="ko-KR" altLang="en-US" sz="1100" dirty="0"/>
-                <a:t>뉴스 제목</a:t>
-              </a:r>
-            </a:p>
-          </p:txBody>
-        </p:sp>
-        <p:sp>
-          <p:nvSpPr>
-            <p:cNvPr id="36" name="직사각형 35">
-              <a:extLst>
-                <a:ext uri="{FF2B5EF4-FFF2-40B4-BE49-F238E27FC236}">
-                  <a16:creationId xmlns:a16="http://schemas.microsoft.com/office/drawing/2014/main" id="{047C134A-8C04-45C3-BF16-289616B8797B}"/>
-                </a:ext>
-              </a:extLst>
-            </p:cNvPr>
-            <p:cNvSpPr/>
-            <p:nvPr/>
-          </p:nvSpPr>
-          <p:spPr>
-            <a:xfrm>
-              <a:off x="2310050" y="1314240"/>
-              <a:ext cx="1510073" cy="440470"/>
-            </a:xfrm>
-            <a:prstGeom prst="rect">
-              <a:avLst/>
-            </a:prstGeom>
-            <a:solidFill>
-              <a:schemeClr val="accent6">
-                <a:lumMod val="60000"/>
-                <a:lumOff val="40000"/>
-              </a:schemeClr>
-            </a:solidFill>
-            <a:ln>
-              <a:noFill/>
-            </a:ln>
-          </p:spPr>
-          <p:style>
-            <a:lnRef idx="2">
-              <a:schemeClr val="accent1">
-                <a:shade val="50000"/>
-              </a:schemeClr>
-            </a:lnRef>
-            <a:fillRef idx="1">
-              <a:schemeClr val="accent1"/>
-            </a:fillRef>
-            <a:effectRef idx="0">
-              <a:schemeClr val="accent1"/>
-            </a:effectRef>
-            <a:fontRef idx="minor">
-              <a:schemeClr val="lt1"/>
-            </a:fontRef>
-          </p:style>
-          <p:txBody>
-            <a:bodyPr rtlCol="0" anchor="ctr"/>
-            <a:lstStyle/>
-            <a:p>
-              <a:pPr algn="ctr"/>
-              <a:r>
-                <a:rPr lang="ko-KR" altLang="en-US" dirty="0"/>
-                <a:t>뉴스 내용</a:t>
-              </a:r>
-            </a:p>
-          </p:txBody>
-        </p:sp>
-        <p:sp>
-          <p:nvSpPr>
-            <p:cNvPr id="37" name="직사각형 36">
-              <a:extLst>
-                <a:ext uri="{FF2B5EF4-FFF2-40B4-BE49-F238E27FC236}">
-                  <a16:creationId xmlns:a16="http://schemas.microsoft.com/office/drawing/2014/main" id="{99CD6A87-2D5B-47D2-8F08-9EFBFB2CC6EF}"/>
-                </a:ext>
-              </a:extLst>
-            </p:cNvPr>
-            <p:cNvSpPr/>
-            <p:nvPr/>
-          </p:nvSpPr>
-          <p:spPr>
-            <a:xfrm>
-              <a:off x="2310050" y="1839735"/>
-              <a:ext cx="1510073" cy="154072"/>
-            </a:xfrm>
-            <a:prstGeom prst="rect">
-              <a:avLst/>
-            </a:prstGeom>
-            <a:solidFill>
-              <a:schemeClr val="accent2">
-                <a:lumMod val="40000"/>
-                <a:lumOff val="60000"/>
-              </a:schemeClr>
-            </a:solidFill>
-            <a:ln>
-              <a:noFill/>
-            </a:ln>
-          </p:spPr>
-          <p:style>
-            <a:lnRef idx="2">
-              <a:schemeClr val="accent1">
-                <a:shade val="50000"/>
-              </a:schemeClr>
-            </a:lnRef>
-            <a:fillRef idx="1">
-              <a:schemeClr val="accent1"/>
-            </a:fillRef>
-            <a:effectRef idx="0">
-              <a:schemeClr val="accent1"/>
-            </a:effectRef>
-            <a:fontRef idx="minor">
-              <a:schemeClr val="lt1"/>
-            </a:fontRef>
-          </p:style>
-          <p:txBody>
-            <a:bodyPr rtlCol="0" anchor="ctr"/>
-            <a:lstStyle/>
-            <a:p>
-              <a:pPr algn="ctr"/>
-              <a:r>
-                <a:rPr lang="ko-KR" altLang="en-US" sz="1100" dirty="0"/>
-                <a:t>키워드</a:t>
-              </a:r>
-            </a:p>
-          </p:txBody>
-        </p:sp>
-      </p:grpSp>
-      <p:grpSp>
-        <p:nvGrpSpPr>
-          <p:cNvPr id="38" name="그룹 37">
-            <a:extLst>
-              <a:ext uri="{FF2B5EF4-FFF2-40B4-BE49-F238E27FC236}">
-                <a16:creationId xmlns:a16="http://schemas.microsoft.com/office/drawing/2014/main" id="{97AA7BB8-BD61-4A84-B338-C3611ACCEBF4}"/>
-              </a:ext>
-            </a:extLst>
-          </p:cNvPr>
-          <p:cNvGrpSpPr/>
-          <p:nvPr/>
-        </p:nvGrpSpPr>
-        <p:grpSpPr>
-          <a:xfrm>
-            <a:off x="1269668" y="3297110"/>
-            <a:ext cx="2653553" cy="1062234"/>
-            <a:chOff x="1269668" y="994025"/>
-            <a:chExt cx="2653553" cy="1062234"/>
-          </a:xfrm>
-        </p:grpSpPr>
-        <p:sp>
-          <p:nvSpPr>
-            <p:cNvPr id="39" name="직사각형 38">
-              <a:extLst>
-                <a:ext uri="{FF2B5EF4-FFF2-40B4-BE49-F238E27FC236}">
-                  <a16:creationId xmlns:a16="http://schemas.microsoft.com/office/drawing/2014/main" id="{1EE73B2B-1045-48C8-BF3E-F42F1A12235D}"/>
-                </a:ext>
-              </a:extLst>
-            </p:cNvPr>
-            <p:cNvSpPr/>
-            <p:nvPr/>
-          </p:nvSpPr>
-          <p:spPr>
-            <a:xfrm>
-              <a:off x="1269668" y="994025"/>
-              <a:ext cx="2653553" cy="1062234"/>
-            </a:xfrm>
-            <a:prstGeom prst="rect">
-              <a:avLst/>
-            </a:prstGeom>
-            <a:solidFill>
-              <a:schemeClr val="accent1">
-                <a:lumMod val="60000"/>
-                <a:lumOff val="40000"/>
-              </a:schemeClr>
-            </a:solidFill>
-            <a:ln>
-              <a:noFill/>
-            </a:ln>
-          </p:spPr>
-          <p:style>
-            <a:lnRef idx="2">
-              <a:schemeClr val="accent1">
-                <a:shade val="50000"/>
-              </a:schemeClr>
-            </a:lnRef>
-            <a:fillRef idx="1">
-              <a:schemeClr val="accent1"/>
-            </a:fillRef>
-            <a:effectRef idx="0">
-              <a:schemeClr val="accent1"/>
-            </a:effectRef>
-            <a:fontRef idx="minor">
-              <a:schemeClr val="lt1"/>
-            </a:fontRef>
-          </p:style>
-          <p:txBody>
-            <a:bodyPr rtlCol="0" anchor="ctr"/>
-            <a:lstStyle/>
-            <a:p>
-              <a:pPr algn="ctr"/>
-              <a:endParaRPr lang="ko-KR" altLang="en-US"/>
-            </a:p>
-          </p:txBody>
-        </p:sp>
-        <p:sp>
-          <p:nvSpPr>
-            <p:cNvPr id="40" name="직사각형 39">
-              <a:extLst>
-                <a:ext uri="{FF2B5EF4-FFF2-40B4-BE49-F238E27FC236}">
-                  <a16:creationId xmlns:a16="http://schemas.microsoft.com/office/drawing/2014/main" id="{1D0F1C32-8858-449F-9247-FFCB4E4F0F9D}"/>
-                </a:ext>
-              </a:extLst>
-            </p:cNvPr>
-            <p:cNvSpPr/>
-            <p:nvPr/>
-          </p:nvSpPr>
-          <p:spPr>
-            <a:xfrm>
-              <a:off x="1337088" y="1059807"/>
-              <a:ext cx="902221" cy="934000"/>
-            </a:xfrm>
-            <a:prstGeom prst="rect">
-              <a:avLst/>
-            </a:prstGeom>
-            <a:solidFill>
-              <a:schemeClr val="accent4">
-                <a:lumMod val="60000"/>
-                <a:lumOff val="40000"/>
-              </a:schemeClr>
-            </a:solidFill>
-            <a:ln>
-              <a:noFill/>
-            </a:ln>
-          </p:spPr>
-          <p:style>
-            <a:lnRef idx="2">
-              <a:schemeClr val="accent1">
-                <a:shade val="50000"/>
-              </a:schemeClr>
-            </a:lnRef>
-            <a:fillRef idx="1">
-              <a:schemeClr val="accent1"/>
-            </a:fillRef>
-            <a:effectRef idx="0">
-              <a:schemeClr val="accent1"/>
-            </a:effectRef>
-            <a:fontRef idx="minor">
-              <a:schemeClr val="lt1"/>
-            </a:fontRef>
-          </p:style>
-          <p:txBody>
-            <a:bodyPr rtlCol="0" anchor="ctr"/>
-            <a:lstStyle/>
-            <a:p>
-              <a:pPr algn="ctr"/>
-              <a:r>
-                <a:rPr lang="ko-KR" altLang="en-US" dirty="0"/>
-                <a:t>사진</a:t>
-              </a:r>
-            </a:p>
-          </p:txBody>
-        </p:sp>
-        <p:sp>
-          <p:nvSpPr>
-            <p:cNvPr id="41" name="직사각형 40">
-              <a:extLst>
-                <a:ext uri="{FF2B5EF4-FFF2-40B4-BE49-F238E27FC236}">
-                  <a16:creationId xmlns:a16="http://schemas.microsoft.com/office/drawing/2014/main" id="{29B7B5F4-FA18-4E57-ACFE-ADABE4537942}"/>
-                </a:ext>
-              </a:extLst>
-            </p:cNvPr>
-            <p:cNvSpPr/>
-            <p:nvPr/>
-          </p:nvSpPr>
-          <p:spPr>
-            <a:xfrm>
-              <a:off x="2306729" y="1077115"/>
-              <a:ext cx="1510073" cy="154072"/>
-            </a:xfrm>
-            <a:prstGeom prst="rect">
-              <a:avLst/>
-            </a:prstGeom>
-            <a:solidFill>
-              <a:srgbClr val="7030A0"/>
-            </a:solidFill>
-            <a:ln>
-              <a:noFill/>
-            </a:ln>
-          </p:spPr>
-          <p:style>
-            <a:lnRef idx="2">
-              <a:schemeClr val="accent1">
-                <a:shade val="50000"/>
-              </a:schemeClr>
-            </a:lnRef>
-            <a:fillRef idx="1">
-              <a:schemeClr val="accent1"/>
-            </a:fillRef>
-            <a:effectRef idx="0">
-              <a:schemeClr val="accent1"/>
-            </a:effectRef>
-            <a:fontRef idx="minor">
-              <a:schemeClr val="lt1"/>
-            </a:fontRef>
-          </p:style>
-          <p:txBody>
-            <a:bodyPr rtlCol="0" anchor="ctr"/>
-            <a:lstStyle/>
-            <a:p>
-              <a:pPr algn="ctr"/>
-              <a:r>
-                <a:rPr lang="ko-KR" altLang="en-US" sz="1100" dirty="0"/>
-                <a:t>뉴스 제목</a:t>
-              </a:r>
-            </a:p>
-          </p:txBody>
-        </p:sp>
-        <p:sp>
-          <p:nvSpPr>
-            <p:cNvPr id="42" name="직사각형 41">
-              <a:extLst>
-                <a:ext uri="{FF2B5EF4-FFF2-40B4-BE49-F238E27FC236}">
-                  <a16:creationId xmlns:a16="http://schemas.microsoft.com/office/drawing/2014/main" id="{D20EB671-B8A6-43B3-BA21-D07D93568CB1}"/>
-                </a:ext>
-              </a:extLst>
-            </p:cNvPr>
-            <p:cNvSpPr/>
-            <p:nvPr/>
-          </p:nvSpPr>
-          <p:spPr>
-            <a:xfrm>
-              <a:off x="2310050" y="1314240"/>
-              <a:ext cx="1510073" cy="440470"/>
-            </a:xfrm>
-            <a:prstGeom prst="rect">
-              <a:avLst/>
-            </a:prstGeom>
-            <a:solidFill>
-              <a:schemeClr val="accent6">
-                <a:lumMod val="60000"/>
-                <a:lumOff val="40000"/>
-              </a:schemeClr>
-            </a:solidFill>
-            <a:ln>
-              <a:noFill/>
-            </a:ln>
-          </p:spPr>
-          <p:style>
-            <a:lnRef idx="2">
-              <a:schemeClr val="accent1">
-                <a:shade val="50000"/>
-              </a:schemeClr>
-            </a:lnRef>
-            <a:fillRef idx="1">
-              <a:schemeClr val="accent1"/>
-            </a:fillRef>
-            <a:effectRef idx="0">
-              <a:schemeClr val="accent1"/>
-            </a:effectRef>
-            <a:fontRef idx="minor">
-              <a:schemeClr val="lt1"/>
-            </a:fontRef>
-          </p:style>
-          <p:txBody>
-            <a:bodyPr rtlCol="0" anchor="ctr"/>
-            <a:lstStyle/>
-            <a:p>
-              <a:pPr algn="ctr"/>
-              <a:r>
-                <a:rPr lang="ko-KR" altLang="en-US" dirty="0"/>
-                <a:t>뉴스 내용</a:t>
-              </a:r>
-            </a:p>
-          </p:txBody>
-        </p:sp>
-        <p:sp>
-          <p:nvSpPr>
-            <p:cNvPr id="43" name="직사각형 42">
-              <a:extLst>
-                <a:ext uri="{FF2B5EF4-FFF2-40B4-BE49-F238E27FC236}">
-                  <a16:creationId xmlns:a16="http://schemas.microsoft.com/office/drawing/2014/main" id="{99800CB6-A55C-4047-BE91-228FF9C2B8B5}"/>
-                </a:ext>
-              </a:extLst>
-            </p:cNvPr>
-            <p:cNvSpPr/>
-            <p:nvPr/>
-          </p:nvSpPr>
-          <p:spPr>
-            <a:xfrm>
-              <a:off x="2310050" y="1839735"/>
-              <a:ext cx="1510073" cy="154072"/>
-            </a:xfrm>
-            <a:prstGeom prst="rect">
-              <a:avLst/>
-            </a:prstGeom>
-            <a:solidFill>
-              <a:schemeClr val="accent2">
-                <a:lumMod val="40000"/>
-                <a:lumOff val="60000"/>
-              </a:schemeClr>
-            </a:solidFill>
-            <a:ln>
-              <a:noFill/>
-            </a:ln>
-          </p:spPr>
-          <p:style>
-            <a:lnRef idx="2">
-              <a:schemeClr val="accent1">
-                <a:shade val="50000"/>
-              </a:schemeClr>
-            </a:lnRef>
-            <a:fillRef idx="1">
-              <a:schemeClr val="accent1"/>
-            </a:fillRef>
-            <a:effectRef idx="0">
-              <a:schemeClr val="accent1"/>
-            </a:effectRef>
-            <a:fontRef idx="minor">
-              <a:schemeClr val="lt1"/>
-            </a:fontRef>
-          </p:style>
-          <p:txBody>
-            <a:bodyPr rtlCol="0" anchor="ctr"/>
-            <a:lstStyle/>
-            <a:p>
-              <a:pPr algn="ctr"/>
-              <a:r>
-                <a:rPr lang="ko-KR" altLang="en-US" sz="1100" dirty="0"/>
-                <a:t>키워드</a:t>
-              </a:r>
-            </a:p>
-          </p:txBody>
-        </p:sp>
-      </p:grpSp>
-      <p:grpSp>
-        <p:nvGrpSpPr>
-          <p:cNvPr id="44" name="그룹 43">
-            <a:extLst>
-              <a:ext uri="{FF2B5EF4-FFF2-40B4-BE49-F238E27FC236}">
-                <a16:creationId xmlns:a16="http://schemas.microsoft.com/office/drawing/2014/main" id="{72E0E50F-C068-4EC7-939F-DAFA1E7824F8}"/>
-              </a:ext>
-            </a:extLst>
-          </p:cNvPr>
-          <p:cNvGrpSpPr/>
-          <p:nvPr/>
-        </p:nvGrpSpPr>
-        <p:grpSpPr>
-          <a:xfrm>
-            <a:off x="1269668" y="4426048"/>
-            <a:ext cx="2653553" cy="1062234"/>
-            <a:chOff x="1269668" y="994025"/>
-            <a:chExt cx="2653553" cy="1062234"/>
-          </a:xfrm>
-        </p:grpSpPr>
-        <p:sp>
-          <p:nvSpPr>
-            <p:cNvPr id="45" name="직사각형 44">
-              <a:extLst>
-                <a:ext uri="{FF2B5EF4-FFF2-40B4-BE49-F238E27FC236}">
-                  <a16:creationId xmlns:a16="http://schemas.microsoft.com/office/drawing/2014/main" id="{89047039-5431-43E0-AC9F-DF30661D589B}"/>
-                </a:ext>
-              </a:extLst>
-            </p:cNvPr>
-            <p:cNvSpPr/>
-            <p:nvPr/>
-          </p:nvSpPr>
-          <p:spPr>
-            <a:xfrm>
-              <a:off x="1269668" y="994025"/>
-              <a:ext cx="2653553" cy="1062234"/>
-            </a:xfrm>
-            <a:prstGeom prst="rect">
-              <a:avLst/>
-            </a:prstGeom>
-            <a:solidFill>
-              <a:schemeClr val="accent1">
-                <a:lumMod val="60000"/>
-                <a:lumOff val="40000"/>
-              </a:schemeClr>
-            </a:solidFill>
-            <a:ln>
-              <a:noFill/>
-            </a:ln>
-          </p:spPr>
-          <p:style>
-            <a:lnRef idx="2">
-              <a:schemeClr val="accent1">
-                <a:shade val="50000"/>
-              </a:schemeClr>
-            </a:lnRef>
-            <a:fillRef idx="1">
-              <a:schemeClr val="accent1"/>
-            </a:fillRef>
-            <a:effectRef idx="0">
-              <a:schemeClr val="accent1"/>
-            </a:effectRef>
-            <a:fontRef idx="minor">
-              <a:schemeClr val="lt1"/>
-            </a:fontRef>
-          </p:style>
-          <p:txBody>
-            <a:bodyPr rtlCol="0" anchor="ctr"/>
-            <a:lstStyle/>
-            <a:p>
-              <a:pPr algn="ctr"/>
-              <a:endParaRPr lang="ko-KR" altLang="en-US"/>
-            </a:p>
-          </p:txBody>
-        </p:sp>
-        <p:sp>
-          <p:nvSpPr>
-            <p:cNvPr id="46" name="직사각형 45">
-              <a:extLst>
-                <a:ext uri="{FF2B5EF4-FFF2-40B4-BE49-F238E27FC236}">
-                  <a16:creationId xmlns:a16="http://schemas.microsoft.com/office/drawing/2014/main" id="{AFB2CAE4-3513-4BED-8F40-88E1FA1B5404}"/>
-                </a:ext>
-              </a:extLst>
-            </p:cNvPr>
-            <p:cNvSpPr/>
-            <p:nvPr/>
-          </p:nvSpPr>
-          <p:spPr>
-            <a:xfrm>
-              <a:off x="1337088" y="1059807"/>
-              <a:ext cx="902221" cy="934000"/>
-            </a:xfrm>
-            <a:prstGeom prst="rect">
-              <a:avLst/>
-            </a:prstGeom>
-            <a:solidFill>
-              <a:schemeClr val="accent4">
-                <a:lumMod val="60000"/>
-                <a:lumOff val="40000"/>
-              </a:schemeClr>
-            </a:solidFill>
-            <a:ln>
-              <a:noFill/>
-            </a:ln>
-          </p:spPr>
-          <p:style>
-            <a:lnRef idx="2">
-              <a:schemeClr val="accent1">
-                <a:shade val="50000"/>
-              </a:schemeClr>
-            </a:lnRef>
-            <a:fillRef idx="1">
-              <a:schemeClr val="accent1"/>
-            </a:fillRef>
-            <a:effectRef idx="0">
-              <a:schemeClr val="accent1"/>
-            </a:effectRef>
-            <a:fontRef idx="minor">
-              <a:schemeClr val="lt1"/>
-            </a:fontRef>
-          </p:style>
-          <p:txBody>
-            <a:bodyPr rtlCol="0" anchor="ctr"/>
-            <a:lstStyle/>
-            <a:p>
-              <a:pPr algn="ctr"/>
-              <a:r>
-                <a:rPr lang="ko-KR" altLang="en-US" dirty="0"/>
-                <a:t>사진</a:t>
-              </a:r>
-            </a:p>
-          </p:txBody>
-        </p:sp>
-        <p:sp>
-          <p:nvSpPr>
-            <p:cNvPr id="47" name="직사각형 46">
-              <a:extLst>
-                <a:ext uri="{FF2B5EF4-FFF2-40B4-BE49-F238E27FC236}">
-                  <a16:creationId xmlns:a16="http://schemas.microsoft.com/office/drawing/2014/main" id="{0D556E2C-799A-4702-9E6F-EACAF5AB3401}"/>
-                </a:ext>
-              </a:extLst>
-            </p:cNvPr>
-            <p:cNvSpPr/>
-            <p:nvPr/>
-          </p:nvSpPr>
-          <p:spPr>
-            <a:xfrm>
-              <a:off x="2306729" y="1077115"/>
-              <a:ext cx="1510073" cy="154072"/>
-            </a:xfrm>
-            <a:prstGeom prst="rect">
-              <a:avLst/>
-            </a:prstGeom>
-            <a:solidFill>
-              <a:srgbClr val="7030A0"/>
-            </a:solidFill>
-            <a:ln>
-              <a:noFill/>
-            </a:ln>
-          </p:spPr>
-          <p:style>
-            <a:lnRef idx="2">
-              <a:schemeClr val="accent1">
-                <a:shade val="50000"/>
-              </a:schemeClr>
-            </a:lnRef>
-            <a:fillRef idx="1">
-              <a:schemeClr val="accent1"/>
-            </a:fillRef>
-            <a:effectRef idx="0">
-              <a:schemeClr val="accent1"/>
-            </a:effectRef>
-            <a:fontRef idx="minor">
-              <a:schemeClr val="lt1"/>
-            </a:fontRef>
-          </p:style>
-          <p:txBody>
-            <a:bodyPr rtlCol="0" anchor="ctr"/>
-            <a:lstStyle/>
-            <a:p>
-              <a:pPr algn="ctr"/>
-              <a:r>
-                <a:rPr lang="ko-KR" altLang="en-US" sz="1100" dirty="0"/>
-                <a:t>뉴스 제목</a:t>
-              </a:r>
-            </a:p>
-          </p:txBody>
-        </p:sp>
-        <p:sp>
-          <p:nvSpPr>
-            <p:cNvPr id="48" name="직사각형 47">
-              <a:extLst>
-                <a:ext uri="{FF2B5EF4-FFF2-40B4-BE49-F238E27FC236}">
-                  <a16:creationId xmlns:a16="http://schemas.microsoft.com/office/drawing/2014/main" id="{A5171196-AC59-4711-AD8A-B995535B199A}"/>
-                </a:ext>
-              </a:extLst>
-            </p:cNvPr>
-            <p:cNvSpPr/>
-            <p:nvPr/>
-          </p:nvSpPr>
-          <p:spPr>
-            <a:xfrm>
-              <a:off x="2310050" y="1314240"/>
-              <a:ext cx="1510073" cy="440470"/>
-            </a:xfrm>
-            <a:prstGeom prst="rect">
-              <a:avLst/>
-            </a:prstGeom>
-            <a:solidFill>
-              <a:schemeClr val="accent6">
-                <a:lumMod val="60000"/>
-                <a:lumOff val="40000"/>
-              </a:schemeClr>
-            </a:solidFill>
-            <a:ln>
-              <a:noFill/>
-            </a:ln>
-          </p:spPr>
-          <p:style>
-            <a:lnRef idx="2">
-              <a:schemeClr val="accent1">
-                <a:shade val="50000"/>
-              </a:schemeClr>
-            </a:lnRef>
-            <a:fillRef idx="1">
-              <a:schemeClr val="accent1"/>
-            </a:fillRef>
-            <a:effectRef idx="0">
-              <a:schemeClr val="accent1"/>
-            </a:effectRef>
-            <a:fontRef idx="minor">
-              <a:schemeClr val="lt1"/>
-            </a:fontRef>
-          </p:style>
-          <p:txBody>
-            <a:bodyPr rtlCol="0" anchor="ctr"/>
-            <a:lstStyle/>
-            <a:p>
-              <a:pPr algn="ctr"/>
-              <a:r>
-                <a:rPr lang="ko-KR" altLang="en-US" dirty="0"/>
-                <a:t>뉴스 내용</a:t>
-              </a:r>
-            </a:p>
-          </p:txBody>
-        </p:sp>
-        <p:sp>
-          <p:nvSpPr>
-            <p:cNvPr id="49" name="직사각형 48">
-              <a:extLst>
-                <a:ext uri="{FF2B5EF4-FFF2-40B4-BE49-F238E27FC236}">
-                  <a16:creationId xmlns:a16="http://schemas.microsoft.com/office/drawing/2014/main" id="{CB8AB205-44DC-4234-92FD-9CF18F6AC0FB}"/>
-                </a:ext>
-              </a:extLst>
-            </p:cNvPr>
-            <p:cNvSpPr/>
-            <p:nvPr/>
-          </p:nvSpPr>
-          <p:spPr>
-            <a:xfrm>
-              <a:off x="2310050" y="1839735"/>
-              <a:ext cx="1510073" cy="154072"/>
-            </a:xfrm>
-            <a:prstGeom prst="rect">
-              <a:avLst/>
-            </a:prstGeom>
-            <a:solidFill>
-              <a:schemeClr val="accent2">
-                <a:lumMod val="40000"/>
-                <a:lumOff val="60000"/>
-              </a:schemeClr>
-            </a:solidFill>
-            <a:ln>
-              <a:noFill/>
-            </a:ln>
-          </p:spPr>
-          <p:style>
-            <a:lnRef idx="2">
-              <a:schemeClr val="accent1">
-                <a:shade val="50000"/>
-              </a:schemeClr>
-            </a:lnRef>
-            <a:fillRef idx="1">
-              <a:schemeClr val="accent1"/>
-            </a:fillRef>
-            <a:effectRef idx="0">
-              <a:schemeClr val="accent1"/>
-            </a:effectRef>
-            <a:fontRef idx="minor">
-              <a:schemeClr val="lt1"/>
-            </a:fontRef>
-          </p:style>
-          <p:txBody>
-            <a:bodyPr rtlCol="0" anchor="ctr"/>
-            <a:lstStyle/>
-            <a:p>
-              <a:pPr algn="ctr"/>
-              <a:r>
-                <a:rPr lang="ko-KR" altLang="en-US" sz="1100" dirty="0"/>
-                <a:t>키워드</a:t>
-              </a:r>
-            </a:p>
-          </p:txBody>
-        </p:sp>
-      </p:grpSp>
-      <p:sp>
-        <p:nvSpPr>
-          <p:cNvPr id="50" name="TextBox 49">
-            <a:extLst>
-              <a:ext uri="{FF2B5EF4-FFF2-40B4-BE49-F238E27FC236}">
-                <a16:creationId xmlns:a16="http://schemas.microsoft.com/office/drawing/2014/main" id="{9E08D81C-8D98-4ED2-BFA8-9CCB1E59E5D4}"/>
-              </a:ext>
-            </a:extLst>
-          </p:cNvPr>
-          <p:cNvSpPr txBox="1"/>
-          <p:nvPr/>
-        </p:nvSpPr>
-        <p:spPr>
-          <a:xfrm>
-            <a:off x="4903695" y="915114"/>
-            <a:ext cx="4775346" cy="3970318"/>
-          </a:xfrm>
-          <a:prstGeom prst="rect">
-            <a:avLst/>
-          </a:prstGeom>
-          <a:noFill/>
-        </p:spPr>
-        <p:txBody>
-          <a:bodyPr wrap="none" rtlCol="0">
-            <a:spAutoFit/>
-          </a:bodyPr>
-          <a:lstStyle/>
-          <a:p>
-            <a:r>
-              <a:rPr lang="en-US" altLang="ko-KR" dirty="0"/>
-              <a:t>1. </a:t>
-            </a:r>
-            <a:r>
-              <a:rPr lang="en-US" altLang="ko-KR" dirty="0" err="1"/>
-              <a:t>ViewModel</a:t>
-            </a:r>
-            <a:r>
-              <a:rPr lang="en-US" altLang="ko-KR" dirty="0"/>
-              <a:t> </a:t>
-            </a:r>
-            <a:r>
-              <a:rPr lang="ko-KR" altLang="en-US" dirty="0"/>
-              <a:t>기능</a:t>
-            </a:r>
-            <a:endParaRPr lang="en-US" altLang="ko-KR" dirty="0"/>
-          </a:p>
-          <a:p>
-            <a:pPr marL="285750" indent="-285750">
-              <a:buFontTx/>
-              <a:buChar char="-"/>
-            </a:pPr>
-            <a:r>
-              <a:rPr lang="en-US" altLang="ko-KR" dirty="0"/>
-              <a:t>RSS Data </a:t>
-            </a:r>
-            <a:r>
-              <a:rPr lang="ko-KR" altLang="en-US" dirty="0"/>
-              <a:t>객체</a:t>
-            </a:r>
-            <a:endParaRPr lang="en-US" altLang="ko-KR" dirty="0"/>
-          </a:p>
-          <a:p>
-            <a:pPr marL="285750" indent="-285750">
-              <a:buFontTx/>
-              <a:buChar char="-"/>
-            </a:pPr>
-            <a:r>
-              <a:rPr lang="en-US" altLang="ko-KR" dirty="0"/>
-              <a:t>News Data </a:t>
-            </a:r>
-            <a:r>
-              <a:rPr lang="ko-KR" altLang="en-US" dirty="0"/>
-              <a:t>객체</a:t>
-            </a:r>
-            <a:endParaRPr lang="en-US" altLang="ko-KR" dirty="0"/>
-          </a:p>
-          <a:p>
-            <a:pPr marL="342900" indent="-342900">
-              <a:buAutoNum type="arabicPeriod"/>
-            </a:pPr>
-            <a:endParaRPr lang="en-US" altLang="ko-KR" dirty="0"/>
-          </a:p>
-          <a:p>
-            <a:r>
-              <a:rPr lang="en-US" altLang="ko-KR" dirty="0"/>
-              <a:t>2. View </a:t>
-            </a:r>
-            <a:r>
-              <a:rPr lang="ko-KR" altLang="en-US" dirty="0"/>
-              <a:t>기능</a:t>
-            </a:r>
-            <a:endParaRPr lang="en-US" altLang="ko-KR" dirty="0"/>
-          </a:p>
-          <a:p>
-            <a:pPr marL="285750" indent="-285750">
-              <a:buFontTx/>
-              <a:buChar char="-"/>
-            </a:pPr>
-            <a:r>
-              <a:rPr lang="en-US" altLang="ko-KR" dirty="0"/>
-              <a:t>Adapter</a:t>
-            </a:r>
-          </a:p>
-          <a:p>
-            <a:pPr marL="285750" indent="-285750">
-              <a:buFontTx/>
-              <a:buChar char="-"/>
-            </a:pPr>
-            <a:r>
-              <a:rPr lang="en-US" altLang="ko-KR" dirty="0" err="1"/>
-              <a:t>RecyclerView</a:t>
-            </a:r>
-            <a:endParaRPr lang="en-US" altLang="ko-KR" dirty="0"/>
-          </a:p>
-          <a:p>
-            <a:endParaRPr lang="en-US" altLang="ko-KR" dirty="0"/>
-          </a:p>
-          <a:p>
-            <a:r>
-              <a:rPr lang="en-US" altLang="ko-KR" dirty="0"/>
-              <a:t>3. Model </a:t>
-            </a:r>
-            <a:r>
-              <a:rPr lang="ko-KR" altLang="en-US" dirty="0"/>
-              <a:t>기능</a:t>
-            </a:r>
-            <a:endParaRPr lang="en-US" altLang="ko-KR" dirty="0"/>
-          </a:p>
-          <a:p>
-            <a:pPr marL="285750" indent="-285750">
-              <a:buFontTx/>
-              <a:buChar char="-"/>
-            </a:pPr>
-            <a:r>
-              <a:rPr lang="en-US" altLang="ko-KR" dirty="0"/>
-              <a:t>RSS</a:t>
-            </a:r>
-          </a:p>
-          <a:p>
-            <a:pPr marL="285750" indent="-285750">
-              <a:buFontTx/>
-              <a:buChar char="-"/>
-            </a:pPr>
-            <a:r>
-              <a:rPr lang="en-US" altLang="ko-KR" dirty="0" err="1"/>
-              <a:t>NewsContentsPaser</a:t>
-            </a:r>
-            <a:r>
-              <a:rPr lang="en-US" altLang="ko-KR" dirty="0"/>
-              <a:t>(</a:t>
-            </a:r>
-            <a:r>
-              <a:rPr lang="ko-KR" altLang="en-US" dirty="0"/>
-              <a:t>키워드</a:t>
-            </a:r>
-            <a:r>
-              <a:rPr lang="en-US" altLang="ko-KR" dirty="0"/>
-              <a:t>, </a:t>
-            </a:r>
-            <a:r>
-              <a:rPr lang="ko-KR" altLang="en-US" dirty="0"/>
-              <a:t>설명</a:t>
-            </a:r>
-            <a:r>
-              <a:rPr lang="en-US" altLang="ko-KR" dirty="0"/>
-              <a:t>, </a:t>
-            </a:r>
-            <a:r>
-              <a:rPr lang="ko-KR" altLang="en-US" dirty="0"/>
-              <a:t>이미지</a:t>
-            </a:r>
-            <a:r>
-              <a:rPr lang="en-US" altLang="ko-KR" dirty="0"/>
-              <a:t>)</a:t>
-            </a:r>
-          </a:p>
-          <a:p>
-            <a:pPr marL="342900" indent="-342900">
-              <a:buAutoNum type="arabicPeriod"/>
-            </a:pPr>
-            <a:endParaRPr lang="en-US" altLang="ko-KR" dirty="0"/>
-          </a:p>
-          <a:p>
-            <a:pPr marL="342900" indent="-342900">
-              <a:buAutoNum type="arabicPeriod"/>
-            </a:pPr>
-            <a:endParaRPr lang="en-US" altLang="ko-KR" dirty="0"/>
-          </a:p>
-          <a:p>
-            <a:pPr marL="342900" indent="-342900">
-              <a:buAutoNum type="arabicPeriod"/>
-            </a:pPr>
-            <a:endParaRPr lang="ko-KR" altLang="en-US" dirty="0"/>
-          </a:p>
-        </p:txBody>
-      </p:sp>
     </p:spTree>
     <p:extLst>
       <p:ext uri="{BB962C8B-B14F-4D97-AF65-F5344CB8AC3E}">
